--- a/final update okkk.pptx
+++ b/final update okkk.pptx
@@ -1459,7 +1459,7 @@
         </p:nvGrpSpPr>
         <p:grpSpPr>
           <a:xfrm>
-            <a:off x="5657850" y="847725"/>
+            <a:off x="6553200" y="847724"/>
             <a:ext cx="4638675" cy="5162550"/>
             <a:chOff x="5657850" y="847725"/>
             <a:chExt cx="4638675" cy="5162550"/>
@@ -2007,7 +2007,7 @@
               </a:rPr>
               <a:t>2024</a:t>
             </a:r>
-            <a:endParaRPr sz="3950"/>
+            <a:endParaRPr sz="3950" dirty="0"/>
           </a:p>
         </p:txBody>
       </p:sp>
@@ -2022,6 +2022,10 @@
           </p:nvPr>
         </p:nvSpPr>
         <p:spPr>
+          <a:xfrm>
+            <a:off x="304800" y="1228725"/>
+            <a:ext cx="6365240" cy="4734951"/>
+          </a:xfrm>
           <a:prstGeom prst="rect">
             <a:avLst/>
           </a:prstGeom>
@@ -2169,8 +2173,8 @@
               <a:t>provides</a:t>
             </a:r>
             <a:r>
-              <a:rPr spc="320" dirty="0"/>
-              <a:t>   </a:t>
+              <a:rPr lang="en-IN" spc="320" dirty="0"/>
+              <a:t> </a:t>
             </a:r>
             <a:r>
               <a:rPr dirty="0"/>
@@ -2178,7 +2182,7 @@
             </a:r>
             <a:r>
               <a:rPr spc="315" dirty="0"/>
-              <a:t>   </a:t>
+              <a:t> </a:t>
             </a:r>
             <a:r>
               <a:rPr dirty="0"/>
@@ -2186,7 +2190,7 @@
             </a:r>
             <a:r>
               <a:rPr spc="320" dirty="0"/>
-              <a:t>   </a:t>
+              <a:t> </a:t>
             </a:r>
             <a:r>
               <a:rPr dirty="0"/>
@@ -2194,7 +2198,7 @@
             </a:r>
             <a:r>
               <a:rPr spc="305" dirty="0"/>
-              <a:t>   </a:t>
+              <a:t> </a:t>
             </a:r>
             <a:r>
               <a:rPr dirty="0"/>
@@ -2202,7 +2206,7 @@
             </a:r>
             <a:r>
               <a:rPr spc="315" dirty="0"/>
-              <a:t>   </a:t>
+              <a:t> </a:t>
             </a:r>
             <a:r>
               <a:rPr spc="-10" dirty="0"/>
@@ -2219,20 +2223,24 @@
               </a:spcBef>
             </a:pPr>
             <a:r>
-              <a:rPr dirty="0"/>
-              <a:t>experience</a:t>
-            </a:r>
-            <a:r>
-              <a:rPr spc="325" dirty="0"/>
-              <a:t>  </a:t>
+              <a:rPr lang="en-IN" dirty="0"/>
+              <a:t>E</a:t>
+            </a:r>
+            <a:r>
+              <a:rPr dirty="0" err="1"/>
+              <a:t>xperience</a:t>
+            </a:r>
+            <a:r>
+              <a:rPr lang="en-IN" spc="325" dirty="0"/>
+              <a:t> </a:t>
             </a:r>
             <a:r>
               <a:rPr dirty="0"/>
               <a:t>to</a:t>
             </a:r>
             <a:r>
-              <a:rPr spc="350" dirty="0"/>
-              <a:t>  </a:t>
+              <a:rPr lang="en-IN" spc="350" dirty="0"/>
+              <a:t> </a:t>
             </a:r>
             <a:r>
               <a:rPr dirty="0"/>
@@ -2240,39 +2248,39 @@
             </a:r>
             <a:r>
               <a:rPr spc="335" dirty="0"/>
-              <a:t>  </a:t>
+              <a:t> </a:t>
             </a:r>
             <a:r>
               <a:rPr dirty="0"/>
               <a:t>showcasing</a:t>
             </a:r>
             <a:r>
-              <a:rPr spc="350" dirty="0"/>
-              <a:t>  </a:t>
+              <a:rPr lang="en-IN" spc="350" dirty="0"/>
+              <a:t> </a:t>
             </a:r>
             <a:r>
               <a:rPr dirty="0"/>
               <a:t>the</a:t>
             </a:r>
             <a:r>
-              <a:rPr spc="350" dirty="0"/>
-              <a:t>  </a:t>
+              <a:rPr lang="en-IN" spc="350" dirty="0"/>
+              <a:t> </a:t>
             </a:r>
             <a:r>
               <a:rPr dirty="0"/>
               <a:t>diverse</a:t>
             </a:r>
             <a:r>
-              <a:rPr spc="330" dirty="0"/>
-              <a:t>  </a:t>
+              <a:rPr lang="en-IN" spc="330" dirty="0"/>
+              <a:t> </a:t>
             </a:r>
             <a:r>
               <a:rPr dirty="0"/>
               <a:t>range</a:t>
             </a:r>
             <a:r>
-              <a:rPr spc="350" dirty="0"/>
-              <a:t>  </a:t>
+              <a:rPr lang="en-IN" spc="350" dirty="0"/>
+              <a:t> </a:t>
             </a:r>
             <a:r>
               <a:rPr spc="-25" dirty="0"/>
@@ -2283,8 +2291,8 @@
               <a:t>medicinal</a:t>
             </a:r>
             <a:r>
-              <a:rPr spc="430" dirty="0"/>
-              <a:t>  </a:t>
+              <a:rPr lang="en-IN" spc="430" dirty="0"/>
+              <a:t> </a:t>
             </a:r>
             <a:r>
               <a:rPr dirty="0"/>
@@ -2292,15 +2300,15 @@
             </a:r>
             <a:r>
               <a:rPr spc="445" dirty="0"/>
-              <a:t>  </a:t>
+              <a:t> </a:t>
             </a:r>
             <a:r>
               <a:rPr dirty="0"/>
               <a:t>used</a:t>
             </a:r>
             <a:r>
-              <a:rPr spc="434" dirty="0"/>
-              <a:t>  </a:t>
+              <a:rPr lang="en-IN" spc="434" dirty="0"/>
+              <a:t> </a:t>
             </a:r>
             <a:r>
               <a:rPr dirty="0"/>
@@ -2308,7 +2316,7 @@
             </a:r>
             <a:r>
               <a:rPr spc="445" dirty="0"/>
-              <a:t>  </a:t>
+              <a:t> </a:t>
             </a:r>
             <a:r>
               <a:rPr dirty="0"/>
@@ -2316,23 +2324,23 @@
             </a:r>
             <a:r>
               <a:rPr spc="445" dirty="0"/>
-              <a:t>  </a:t>
+              <a:t> </a:t>
             </a:r>
             <a:r>
               <a:rPr dirty="0"/>
               <a:t>(Ayurveda,</a:t>
             </a:r>
             <a:r>
-              <a:rPr spc="455" dirty="0"/>
-              <a:t>  </a:t>
+              <a:rPr lang="en-IN" spc="455" dirty="0"/>
+              <a:t> </a:t>
             </a:r>
             <a:r>
               <a:rPr dirty="0"/>
               <a:t>Yoga</a:t>
             </a:r>
             <a:r>
-              <a:rPr spc="450" dirty="0"/>
-              <a:t>  </a:t>
+              <a:rPr lang="en-IN" spc="450" dirty="0"/>
+              <a:t> </a:t>
             </a:r>
             <a:r>
               <a:rPr spc="-50" dirty="0"/>
@@ -2785,7 +2793,7 @@
         </p:nvSpPr>
         <p:spPr>
           <a:xfrm>
-            <a:off x="2621280" y="191393"/>
+            <a:off x="2474658" y="59129"/>
             <a:ext cx="6949440" cy="575310"/>
           </a:xfrm>
           <a:prstGeom prst="rect">
@@ -2867,8 +2875,8 @@
         </p:nvSpPr>
         <p:spPr>
           <a:xfrm>
-            <a:off x="545147" y="4626353"/>
-            <a:ext cx="11277600" cy="1663064"/>
+            <a:off x="545147" y="4689963"/>
+            <a:ext cx="11456354" cy="1536062"/>
           </a:xfrm>
           <a:prstGeom prst="rect">
             <a:avLst/>
@@ -2948,7 +2956,7 @@
               </a:rPr>
               <a:t>Point(USP)</a:t>
             </a:r>
-            <a:endParaRPr sz="2100">
+            <a:endParaRPr sz="2100" dirty="0">
               <a:latin typeface="Arial"/>
               <a:cs typeface="Arial"/>
             </a:endParaRPr>
@@ -2969,405 +2977,405 @@
               </a:tabLst>
             </a:pPr>
             <a:r>
-              <a:rPr sz="1800" spc="-30" dirty="0">
+              <a:rPr sz="1600" spc="-30" dirty="0">
                 <a:latin typeface="Calibri"/>
                 <a:cs typeface="Calibri"/>
               </a:rPr>
               <a:t>Comprehensive</a:t>
             </a:r>
             <a:r>
-              <a:rPr sz="1800" spc="-75" dirty="0">
-                <a:latin typeface="Calibri"/>
-                <a:cs typeface="Calibri"/>
-              </a:rPr>
-              <a:t> </a:t>
-            </a:r>
-            <a:r>
-              <a:rPr sz="1800" spc="-10" dirty="0">
+              <a:rPr sz="1600" spc="-75" dirty="0">
+                <a:latin typeface="Calibri"/>
+                <a:cs typeface="Calibri"/>
+              </a:rPr>
+              <a:t> </a:t>
+            </a:r>
+            <a:r>
+              <a:rPr sz="1600" spc="-10" dirty="0">
                 <a:latin typeface="Calibri"/>
                 <a:cs typeface="Calibri"/>
               </a:rPr>
               <a:t>information</a:t>
             </a:r>
             <a:r>
-              <a:rPr sz="1800" spc="-60" dirty="0">
-                <a:latin typeface="Calibri"/>
-                <a:cs typeface="Calibri"/>
-              </a:rPr>
-              <a:t> </a:t>
-            </a:r>
-            <a:r>
-              <a:rPr sz="1800" dirty="0">
+              <a:rPr sz="1600" spc="-60" dirty="0">
+                <a:latin typeface="Calibri"/>
+                <a:cs typeface="Calibri"/>
+              </a:rPr>
+              <a:t> </a:t>
+            </a:r>
+            <a:r>
+              <a:rPr sz="1600" dirty="0">
                 <a:latin typeface="Calibri"/>
                 <a:cs typeface="Calibri"/>
               </a:rPr>
               <a:t>for</a:t>
             </a:r>
             <a:r>
-              <a:rPr sz="1800" spc="-55" dirty="0">
-                <a:latin typeface="Calibri"/>
-                <a:cs typeface="Calibri"/>
-              </a:rPr>
-              <a:t> </a:t>
-            </a:r>
-            <a:r>
-              <a:rPr sz="1800" dirty="0">
+              <a:rPr sz="1600" spc="-55" dirty="0">
+                <a:latin typeface="Calibri"/>
+                <a:cs typeface="Calibri"/>
+              </a:rPr>
+              <a:t> </a:t>
+            </a:r>
+            <a:r>
+              <a:rPr sz="1600" dirty="0">
                 <a:latin typeface="Calibri"/>
                 <a:cs typeface="Calibri"/>
               </a:rPr>
               <a:t>each</a:t>
             </a:r>
             <a:r>
-              <a:rPr sz="1800" spc="-45" dirty="0">
-                <a:latin typeface="Calibri"/>
-                <a:cs typeface="Calibri"/>
-              </a:rPr>
-              <a:t> </a:t>
-            </a:r>
-            <a:r>
-              <a:rPr sz="1800" dirty="0">
+              <a:rPr sz="1600" spc="-45" dirty="0">
+                <a:latin typeface="Calibri"/>
+                <a:cs typeface="Calibri"/>
+              </a:rPr>
+              <a:t> </a:t>
+            </a:r>
+            <a:r>
+              <a:rPr sz="1600" dirty="0">
                 <a:latin typeface="Calibri"/>
                 <a:cs typeface="Calibri"/>
               </a:rPr>
               <a:t>plant,</a:t>
             </a:r>
             <a:r>
-              <a:rPr sz="1800" spc="5" dirty="0">
-                <a:latin typeface="Calibri"/>
-                <a:cs typeface="Calibri"/>
-              </a:rPr>
-              <a:t> </a:t>
-            </a:r>
-            <a:r>
-              <a:rPr sz="1800" dirty="0">
+              <a:rPr sz="1600" spc="5" dirty="0">
+                <a:latin typeface="Calibri"/>
+                <a:cs typeface="Calibri"/>
+              </a:rPr>
+              <a:t> </a:t>
+            </a:r>
+            <a:r>
+              <a:rPr sz="1600" dirty="0">
                 <a:latin typeface="Calibri"/>
                 <a:cs typeface="Calibri"/>
               </a:rPr>
               <a:t>such</a:t>
             </a:r>
             <a:r>
-              <a:rPr sz="1800" spc="20" dirty="0">
-                <a:latin typeface="Calibri"/>
-                <a:cs typeface="Calibri"/>
-              </a:rPr>
-              <a:t> </a:t>
-            </a:r>
-            <a:r>
-              <a:rPr sz="1800" dirty="0">
+              <a:rPr sz="1600" spc="20" dirty="0">
+                <a:latin typeface="Calibri"/>
+                <a:cs typeface="Calibri"/>
+              </a:rPr>
+              <a:t> </a:t>
+            </a:r>
+            <a:r>
+              <a:rPr sz="1600" dirty="0">
                 <a:latin typeface="Calibri"/>
                 <a:cs typeface="Calibri"/>
               </a:rPr>
               <a:t>as</a:t>
             </a:r>
             <a:r>
-              <a:rPr sz="1800" spc="-100" dirty="0">
-                <a:latin typeface="Calibri"/>
-                <a:cs typeface="Calibri"/>
-              </a:rPr>
-              <a:t> </a:t>
-            </a:r>
-            <a:r>
-              <a:rPr sz="1800" spc="-20" dirty="0">
+              <a:rPr sz="1600" spc="-100" dirty="0">
+                <a:latin typeface="Calibri"/>
+                <a:cs typeface="Calibri"/>
+              </a:rPr>
+              <a:t> </a:t>
+            </a:r>
+            <a:r>
+              <a:rPr sz="1600" spc="-20" dirty="0">
                 <a:latin typeface="Calibri"/>
                 <a:cs typeface="Calibri"/>
               </a:rPr>
               <a:t>Botanical</a:t>
             </a:r>
             <a:r>
-              <a:rPr sz="1800" spc="-85" dirty="0">
-                <a:latin typeface="Calibri"/>
-                <a:cs typeface="Calibri"/>
-              </a:rPr>
-              <a:t> </a:t>
-            </a:r>
-            <a:r>
-              <a:rPr sz="1800" dirty="0">
+              <a:rPr sz="1600" spc="-85" dirty="0">
+                <a:latin typeface="Calibri"/>
+                <a:cs typeface="Calibri"/>
+              </a:rPr>
+              <a:t> </a:t>
+            </a:r>
+            <a:r>
+              <a:rPr sz="1600" dirty="0">
                 <a:latin typeface="Calibri"/>
                 <a:cs typeface="Calibri"/>
               </a:rPr>
               <a:t>name,</a:t>
             </a:r>
             <a:r>
-              <a:rPr sz="1800" spc="30" dirty="0">
-                <a:latin typeface="Calibri"/>
-                <a:cs typeface="Calibri"/>
-              </a:rPr>
-              <a:t> </a:t>
-            </a:r>
-            <a:r>
-              <a:rPr sz="1800" spc="-10" dirty="0">
+              <a:rPr sz="1600" spc="30" dirty="0">
+                <a:latin typeface="Calibri"/>
+                <a:cs typeface="Calibri"/>
+              </a:rPr>
+              <a:t> </a:t>
+            </a:r>
+            <a:r>
+              <a:rPr sz="1600" spc="-10" dirty="0">
                 <a:latin typeface="Calibri"/>
                 <a:cs typeface="Calibri"/>
               </a:rPr>
               <a:t>Common</a:t>
             </a:r>
             <a:r>
-              <a:rPr sz="1800" spc="-75" dirty="0">
-                <a:latin typeface="Calibri"/>
-                <a:cs typeface="Calibri"/>
-              </a:rPr>
-              <a:t> </a:t>
-            </a:r>
-            <a:r>
-              <a:rPr sz="1800" dirty="0">
+              <a:rPr sz="1600" spc="-75" dirty="0">
+                <a:latin typeface="Calibri"/>
+                <a:cs typeface="Calibri"/>
+              </a:rPr>
+              <a:t> </a:t>
+            </a:r>
+            <a:r>
+              <a:rPr sz="1600" dirty="0">
                 <a:latin typeface="Calibri"/>
                 <a:cs typeface="Calibri"/>
               </a:rPr>
               <a:t>name,</a:t>
             </a:r>
             <a:r>
-              <a:rPr sz="1800" spc="-5" dirty="0">
-                <a:latin typeface="Calibri"/>
-                <a:cs typeface="Calibri"/>
-              </a:rPr>
-              <a:t> </a:t>
-            </a:r>
-            <a:r>
-              <a:rPr sz="1800" spc="-20" dirty="0">
+              <a:rPr sz="1600" spc="-5" dirty="0">
+                <a:latin typeface="Calibri"/>
+                <a:cs typeface="Calibri"/>
+              </a:rPr>
+              <a:t> </a:t>
+            </a:r>
+            <a:r>
+              <a:rPr sz="1600" spc="-20" dirty="0">
                 <a:latin typeface="Calibri"/>
                 <a:cs typeface="Calibri"/>
               </a:rPr>
               <a:t>Sanskrit</a:t>
             </a:r>
             <a:r>
-              <a:rPr sz="1800" spc="-65" dirty="0">
-                <a:latin typeface="Calibri"/>
-                <a:cs typeface="Calibri"/>
-              </a:rPr>
-              <a:t> </a:t>
-            </a:r>
-            <a:r>
-              <a:rPr sz="1800" dirty="0">
+              <a:rPr sz="1600" spc="-65" dirty="0">
+                <a:latin typeface="Calibri"/>
+                <a:cs typeface="Calibri"/>
+              </a:rPr>
+              <a:t> </a:t>
+            </a:r>
+            <a:r>
+              <a:rPr sz="1600" dirty="0">
                 <a:latin typeface="Calibri"/>
                 <a:cs typeface="Calibri"/>
               </a:rPr>
               <a:t>name,</a:t>
             </a:r>
             <a:r>
-              <a:rPr sz="1800" spc="40" dirty="0">
-                <a:latin typeface="Calibri"/>
-                <a:cs typeface="Calibri"/>
-              </a:rPr>
-              <a:t> </a:t>
-            </a:r>
-            <a:r>
-              <a:rPr sz="1800" spc="-10" dirty="0">
+              <a:rPr sz="1600" spc="40" dirty="0">
+                <a:latin typeface="Calibri"/>
+                <a:cs typeface="Calibri"/>
+              </a:rPr>
+              <a:t> </a:t>
+            </a:r>
+            <a:r>
+              <a:rPr sz="1600" spc="-10" dirty="0">
                 <a:latin typeface="Calibri"/>
                 <a:cs typeface="Calibri"/>
               </a:rPr>
               <a:t>Medicinal</a:t>
             </a:r>
             <a:r>
-              <a:rPr sz="1800" dirty="0">
+              <a:rPr sz="1600" dirty="0">
                 <a:latin typeface="Calibri"/>
                 <a:cs typeface="Calibri"/>
               </a:rPr>
               <a:t> uses</a:t>
             </a:r>
             <a:r>
-              <a:rPr sz="1800" spc="-60" dirty="0">
-                <a:latin typeface="Calibri"/>
-                <a:cs typeface="Calibri"/>
-              </a:rPr>
-              <a:t> </a:t>
-            </a:r>
-            <a:r>
-              <a:rPr sz="1800" spc="-25" dirty="0">
+              <a:rPr sz="1600" spc="-60" dirty="0">
+                <a:latin typeface="Calibri"/>
+                <a:cs typeface="Calibri"/>
+              </a:rPr>
+              <a:t> </a:t>
+            </a:r>
+            <a:r>
+              <a:rPr sz="1600" spc="-25" dirty="0">
                 <a:latin typeface="Calibri"/>
                 <a:cs typeface="Calibri"/>
               </a:rPr>
               <a:t>and </a:t>
             </a:r>
             <a:r>
-              <a:rPr sz="1800" dirty="0">
+              <a:rPr sz="1600" dirty="0">
                 <a:latin typeface="Calibri"/>
                 <a:cs typeface="Calibri"/>
               </a:rPr>
               <a:t>habitat,</a:t>
             </a:r>
             <a:r>
-              <a:rPr sz="1800" spc="65" dirty="0">
-                <a:latin typeface="Calibri"/>
-                <a:cs typeface="Calibri"/>
-              </a:rPr>
-              <a:t> </a:t>
-            </a:r>
-            <a:r>
-              <a:rPr sz="1800" dirty="0">
+              <a:rPr sz="1600" spc="65" dirty="0">
+                <a:latin typeface="Calibri"/>
+                <a:cs typeface="Calibri"/>
+              </a:rPr>
+              <a:t> </a:t>
+            </a:r>
+            <a:r>
+              <a:rPr sz="1600" dirty="0">
                 <a:latin typeface="Calibri"/>
                 <a:cs typeface="Calibri"/>
               </a:rPr>
               <a:t>integrated</a:t>
             </a:r>
             <a:r>
-              <a:rPr sz="1800" spc="114" dirty="0">
-                <a:latin typeface="Calibri"/>
-                <a:cs typeface="Calibri"/>
-              </a:rPr>
-              <a:t> </a:t>
-            </a:r>
-            <a:r>
-              <a:rPr sz="1800" dirty="0">
+              <a:rPr sz="1600" spc="114" dirty="0">
+                <a:latin typeface="Calibri"/>
+                <a:cs typeface="Calibri"/>
+              </a:rPr>
+              <a:t> </a:t>
+            </a:r>
+            <a:r>
+              <a:rPr sz="1600" dirty="0">
                 <a:latin typeface="Calibri"/>
                 <a:cs typeface="Calibri"/>
               </a:rPr>
               <a:t>with</a:t>
             </a:r>
             <a:r>
-              <a:rPr sz="1800" spc="114" dirty="0">
-                <a:latin typeface="Calibri"/>
-                <a:cs typeface="Calibri"/>
-              </a:rPr>
-              <a:t> </a:t>
-            </a:r>
-            <a:r>
-              <a:rPr sz="1800" dirty="0">
+              <a:rPr sz="1600" spc="114" dirty="0">
+                <a:latin typeface="Calibri"/>
+                <a:cs typeface="Calibri"/>
+              </a:rPr>
+              <a:t> </a:t>
+            </a:r>
+            <a:r>
+              <a:rPr sz="1600" dirty="0">
                 <a:latin typeface="Calibri"/>
                 <a:cs typeface="Calibri"/>
               </a:rPr>
               <a:t>advanced</a:t>
             </a:r>
             <a:r>
-              <a:rPr sz="1800" spc="110" dirty="0">
-                <a:latin typeface="Calibri"/>
-                <a:cs typeface="Calibri"/>
-              </a:rPr>
-              <a:t> </a:t>
-            </a:r>
-            <a:r>
-              <a:rPr sz="1800" dirty="0">
+              <a:rPr sz="1600" spc="110" dirty="0">
+                <a:latin typeface="Calibri"/>
+                <a:cs typeface="Calibri"/>
+              </a:rPr>
+              <a:t> </a:t>
+            </a:r>
+            <a:r>
+              <a:rPr sz="1600" dirty="0">
                 <a:latin typeface="Calibri"/>
                 <a:cs typeface="Calibri"/>
               </a:rPr>
               <a:t>AI</a:t>
             </a:r>
             <a:r>
-              <a:rPr sz="1800" spc="75" dirty="0">
-                <a:latin typeface="Calibri"/>
-                <a:cs typeface="Calibri"/>
-              </a:rPr>
-              <a:t> </a:t>
-            </a:r>
-            <a:r>
-              <a:rPr sz="1800" dirty="0">
+              <a:rPr sz="1600" spc="75" dirty="0">
+                <a:latin typeface="Calibri"/>
+                <a:cs typeface="Calibri"/>
+              </a:rPr>
+              <a:t> </a:t>
+            </a:r>
+            <a:r>
+              <a:rPr sz="1600" dirty="0">
                 <a:latin typeface="Calibri"/>
                 <a:cs typeface="Calibri"/>
               </a:rPr>
               <a:t>3D</a:t>
             </a:r>
             <a:r>
-              <a:rPr sz="1800" spc="100" dirty="0">
-                <a:latin typeface="Calibri"/>
-                <a:cs typeface="Calibri"/>
-              </a:rPr>
-              <a:t> </a:t>
-            </a:r>
-            <a:r>
-              <a:rPr sz="1800" dirty="0">
+              <a:rPr sz="1600" spc="100" dirty="0">
+                <a:latin typeface="Calibri"/>
+                <a:cs typeface="Calibri"/>
+              </a:rPr>
+              <a:t> </a:t>
+            </a:r>
+            <a:r>
+              <a:rPr sz="1600" dirty="0">
                 <a:latin typeface="Calibri"/>
                 <a:cs typeface="Calibri"/>
               </a:rPr>
               <a:t>model</a:t>
             </a:r>
             <a:r>
-              <a:rPr sz="1800" spc="125" dirty="0">
-                <a:latin typeface="Calibri"/>
-                <a:cs typeface="Calibri"/>
-              </a:rPr>
-              <a:t> </a:t>
-            </a:r>
-            <a:r>
-              <a:rPr sz="1800" spc="45" dirty="0">
+              <a:rPr sz="1600" spc="125" dirty="0">
+                <a:latin typeface="Calibri"/>
+                <a:cs typeface="Calibri"/>
+              </a:rPr>
+              <a:t> </a:t>
+            </a:r>
+            <a:r>
+              <a:rPr sz="1600" spc="45" dirty="0">
                 <a:latin typeface="Calibri"/>
                 <a:cs typeface="Calibri"/>
               </a:rPr>
               <a:t>so</a:t>
             </a:r>
             <a:r>
-              <a:rPr sz="1800" spc="-15" dirty="0">
-                <a:latin typeface="Calibri"/>
-                <a:cs typeface="Calibri"/>
-              </a:rPr>
-              <a:t> </a:t>
-            </a:r>
-            <a:r>
-              <a:rPr sz="1800" spc="-25" dirty="0">
+              <a:rPr sz="1600" spc="-15" dirty="0">
+                <a:latin typeface="Calibri"/>
+                <a:cs typeface="Calibri"/>
+              </a:rPr>
+              <a:t> </a:t>
+            </a:r>
+            <a:r>
+              <a:rPr sz="1600" spc="-25" dirty="0">
                 <a:latin typeface="Calibri"/>
                 <a:cs typeface="Calibri"/>
               </a:rPr>
               <a:t>that</a:t>
             </a:r>
             <a:r>
-              <a:rPr sz="1800" spc="-50" dirty="0">
-                <a:latin typeface="Calibri"/>
-                <a:cs typeface="Calibri"/>
-              </a:rPr>
-              <a:t> </a:t>
-            </a:r>
-            <a:r>
-              <a:rPr sz="1800" dirty="0">
+              <a:rPr sz="1600" spc="-50" dirty="0">
+                <a:latin typeface="Calibri"/>
+                <a:cs typeface="Calibri"/>
+              </a:rPr>
+              <a:t> </a:t>
+            </a:r>
+            <a:r>
+              <a:rPr sz="1600" dirty="0">
                 <a:latin typeface="Calibri"/>
                 <a:cs typeface="Calibri"/>
               </a:rPr>
               <a:t>it</a:t>
             </a:r>
             <a:r>
-              <a:rPr sz="1800" spc="-70" dirty="0">
-                <a:latin typeface="Calibri"/>
-                <a:cs typeface="Calibri"/>
-              </a:rPr>
-              <a:t> </a:t>
-            </a:r>
-            <a:r>
-              <a:rPr sz="1800" dirty="0">
+              <a:rPr sz="1600" spc="-70" dirty="0">
+                <a:latin typeface="Calibri"/>
+                <a:cs typeface="Calibri"/>
+              </a:rPr>
+              <a:t> </a:t>
+            </a:r>
+            <a:r>
+              <a:rPr sz="1600" dirty="0">
                 <a:latin typeface="Calibri"/>
                 <a:cs typeface="Calibri"/>
               </a:rPr>
               <a:t>can</a:t>
             </a:r>
             <a:r>
-              <a:rPr sz="1800" spc="5" dirty="0">
-                <a:latin typeface="Calibri"/>
-                <a:cs typeface="Calibri"/>
-              </a:rPr>
-              <a:t> </a:t>
-            </a:r>
-            <a:r>
-              <a:rPr sz="1800" dirty="0">
+              <a:rPr sz="1600" spc="5" dirty="0">
+                <a:latin typeface="Calibri"/>
+                <a:cs typeface="Calibri"/>
+              </a:rPr>
+              <a:t> </a:t>
+            </a:r>
+            <a:r>
+              <a:rPr sz="1600" dirty="0">
                 <a:latin typeface="Calibri"/>
                 <a:cs typeface="Calibri"/>
               </a:rPr>
               <a:t>be</a:t>
             </a:r>
             <a:r>
-              <a:rPr sz="1800" spc="-5" dirty="0">
-                <a:latin typeface="Calibri"/>
-                <a:cs typeface="Calibri"/>
-              </a:rPr>
-              <a:t> </a:t>
-            </a:r>
-            <a:r>
-              <a:rPr sz="1800" dirty="0">
+              <a:rPr sz="1600" spc="-5" dirty="0">
+                <a:latin typeface="Calibri"/>
+                <a:cs typeface="Calibri"/>
+              </a:rPr>
+              <a:t> </a:t>
+            </a:r>
+            <a:r>
+              <a:rPr sz="1600" dirty="0">
                 <a:latin typeface="Calibri"/>
                 <a:cs typeface="Calibri"/>
               </a:rPr>
               <a:t>more</a:t>
             </a:r>
             <a:r>
-              <a:rPr sz="1800" spc="40" dirty="0">
-                <a:latin typeface="Calibri"/>
-                <a:cs typeface="Calibri"/>
-              </a:rPr>
-              <a:t> </a:t>
-            </a:r>
-            <a:r>
-              <a:rPr sz="1800" spc="-10" dirty="0">
+              <a:rPr sz="1600" spc="40" dirty="0">
+                <a:latin typeface="Calibri"/>
+                <a:cs typeface="Calibri"/>
+              </a:rPr>
+              <a:t> </a:t>
+            </a:r>
+            <a:r>
+              <a:rPr sz="1600" spc="-10" dirty="0">
                 <a:latin typeface="Calibri"/>
                 <a:cs typeface="Calibri"/>
               </a:rPr>
               <a:t>engaging.</a:t>
             </a:r>
-            <a:endParaRPr sz="1800">
+            <a:endParaRPr sz="1600" dirty="0">
               <a:latin typeface="Calibri"/>
               <a:cs typeface="Calibri"/>
             </a:endParaRPr>
@@ -3388,237 +3396,251 @@
               </a:tabLst>
             </a:pPr>
             <a:r>
-              <a:rPr sz="1800" dirty="0">
+              <a:rPr sz="1600" dirty="0">
                 <a:latin typeface="Calibri"/>
                 <a:cs typeface="Calibri"/>
               </a:rPr>
               <a:t>Allowing</a:t>
             </a:r>
             <a:r>
-              <a:rPr sz="1800" spc="-105" dirty="0">
-                <a:latin typeface="Calibri"/>
-                <a:cs typeface="Calibri"/>
-              </a:rPr>
-              <a:t> </a:t>
-            </a:r>
-            <a:r>
-              <a:rPr sz="1800" dirty="0">
+              <a:rPr sz="1600" spc="-105" dirty="0">
+                <a:latin typeface="Calibri"/>
+                <a:cs typeface="Calibri"/>
+              </a:rPr>
+              <a:t> </a:t>
+            </a:r>
+            <a:r>
+              <a:rPr sz="1600" dirty="0">
                 <a:latin typeface="Calibri"/>
                 <a:cs typeface="Calibri"/>
               </a:rPr>
               <a:t>users</a:t>
             </a:r>
             <a:r>
-              <a:rPr sz="1800" spc="-90" dirty="0">
-                <a:latin typeface="Calibri"/>
-                <a:cs typeface="Calibri"/>
-              </a:rPr>
-              <a:t> </a:t>
-            </a:r>
-            <a:r>
-              <a:rPr sz="1800" dirty="0">
+              <a:rPr sz="1600" spc="-90" dirty="0">
+                <a:latin typeface="Calibri"/>
+                <a:cs typeface="Calibri"/>
+              </a:rPr>
+              <a:t> </a:t>
+            </a:r>
+            <a:r>
+              <a:rPr sz="1600" dirty="0">
                 <a:latin typeface="Calibri"/>
                 <a:cs typeface="Calibri"/>
               </a:rPr>
               <a:t>to</a:t>
             </a:r>
             <a:r>
-              <a:rPr sz="1800" spc="-70" dirty="0">
-                <a:latin typeface="Calibri"/>
-                <a:cs typeface="Calibri"/>
-              </a:rPr>
-              <a:t> </a:t>
-            </a:r>
-            <a:r>
-              <a:rPr sz="1800" spc="-10" dirty="0">
+              <a:rPr sz="1600" spc="-70" dirty="0">
+                <a:latin typeface="Calibri"/>
+                <a:cs typeface="Calibri"/>
+              </a:rPr>
+              <a:t> </a:t>
+            </a:r>
+            <a:r>
+              <a:rPr sz="1600" spc="-10" dirty="0">
                 <a:latin typeface="Calibri"/>
                 <a:cs typeface="Calibri"/>
               </a:rPr>
               <a:t>bookmark</a:t>
             </a:r>
             <a:r>
-              <a:rPr sz="1800" spc="-110" dirty="0">
-                <a:latin typeface="Calibri"/>
-                <a:cs typeface="Calibri"/>
-              </a:rPr>
-              <a:t> </a:t>
-            </a:r>
-            <a:r>
-              <a:rPr sz="1800" spc="-10" dirty="0">
-                <a:latin typeface="Calibri"/>
-                <a:cs typeface="Calibri"/>
-              </a:rPr>
-              <a:t>favorite</a:t>
-            </a:r>
-            <a:r>
-              <a:rPr sz="1800" spc="-80" dirty="0">
-                <a:latin typeface="Calibri"/>
-                <a:cs typeface="Calibri"/>
-              </a:rPr>
-              <a:t> </a:t>
-            </a:r>
-            <a:r>
-              <a:rPr sz="1800" dirty="0">
-                <a:latin typeface="Calibri"/>
-                <a:cs typeface="Calibri"/>
-              </a:rPr>
-              <a:t>plant,</a:t>
-            </a:r>
-            <a:r>
-              <a:rPr sz="1800" spc="10" dirty="0">
-                <a:latin typeface="Calibri"/>
-                <a:cs typeface="Calibri"/>
-              </a:rPr>
-              <a:t> </a:t>
-            </a:r>
-            <a:r>
-              <a:rPr sz="1800" dirty="0">
+              <a:rPr sz="1600" spc="-110" dirty="0">
+                <a:latin typeface="Calibri"/>
+                <a:cs typeface="Calibri"/>
+              </a:rPr>
+              <a:t> </a:t>
+            </a:r>
+            <a:r>
+              <a:rPr lang="en-IN" sz="1600" spc="-110" dirty="0">
+                <a:latin typeface="Calibri"/>
+                <a:cs typeface="Calibri"/>
+              </a:rPr>
+              <a:t>their </a:t>
+            </a:r>
+            <a:r>
+              <a:rPr lang="en-IN" sz="1600" spc="-10" dirty="0">
+                <a:latin typeface="Calibri"/>
+                <a:cs typeface="Calibri"/>
+              </a:rPr>
+              <a:t>favourite</a:t>
+            </a:r>
+            <a:r>
+              <a:rPr sz="1600" spc="-80" dirty="0">
+                <a:latin typeface="Calibri"/>
+                <a:cs typeface="Calibri"/>
+              </a:rPr>
+              <a:t> </a:t>
+            </a:r>
+            <a:r>
+              <a:rPr lang="en-IN" sz="1600" dirty="0">
+                <a:latin typeface="Calibri"/>
+                <a:cs typeface="Calibri"/>
+              </a:rPr>
+              <a:t>plants</a:t>
+            </a:r>
+            <a:r>
+              <a:rPr sz="1600" dirty="0">
+                <a:latin typeface="Calibri"/>
+                <a:cs typeface="Calibri"/>
+              </a:rPr>
+              <a:t>,</a:t>
+            </a:r>
+            <a:r>
+              <a:rPr sz="1600" spc="10" dirty="0">
+                <a:latin typeface="Calibri"/>
+                <a:cs typeface="Calibri"/>
+              </a:rPr>
+              <a:t> </a:t>
+            </a:r>
+            <a:r>
+              <a:rPr sz="1600" dirty="0">
                 <a:latin typeface="Calibri"/>
                 <a:cs typeface="Calibri"/>
               </a:rPr>
               <a:t>take</a:t>
             </a:r>
             <a:r>
-              <a:rPr sz="1800" spc="-45" dirty="0">
-                <a:latin typeface="Calibri"/>
-                <a:cs typeface="Calibri"/>
-              </a:rPr>
-              <a:t> </a:t>
-            </a:r>
-            <a:r>
-              <a:rPr sz="1800" dirty="0">
+              <a:rPr sz="1600" spc="-45" dirty="0">
+                <a:latin typeface="Calibri"/>
+                <a:cs typeface="Calibri"/>
+              </a:rPr>
+              <a:t> </a:t>
+            </a:r>
+            <a:r>
+              <a:rPr sz="1600" dirty="0">
                 <a:latin typeface="Calibri"/>
                 <a:cs typeface="Calibri"/>
               </a:rPr>
               <a:t>notes</a:t>
             </a:r>
             <a:r>
-              <a:rPr sz="1800" spc="-45" dirty="0">
-                <a:latin typeface="Calibri"/>
-                <a:cs typeface="Calibri"/>
-              </a:rPr>
-              <a:t> </a:t>
-            </a:r>
-            <a:r>
-              <a:rPr sz="1800" dirty="0">
+              <a:rPr sz="1600" spc="-45" dirty="0">
+                <a:latin typeface="Calibri"/>
+                <a:cs typeface="Calibri"/>
+              </a:rPr>
+              <a:t> </a:t>
+            </a:r>
+            <a:r>
+              <a:rPr sz="1600" dirty="0">
                 <a:latin typeface="Calibri"/>
                 <a:cs typeface="Calibri"/>
               </a:rPr>
               <a:t>and</a:t>
             </a:r>
             <a:r>
-              <a:rPr sz="1800" spc="-75" dirty="0">
-                <a:latin typeface="Calibri"/>
-                <a:cs typeface="Calibri"/>
-              </a:rPr>
-              <a:t> </a:t>
-            </a:r>
-            <a:r>
-              <a:rPr sz="1800" dirty="0">
+              <a:rPr sz="1600" spc="-75" dirty="0">
+                <a:latin typeface="Calibri"/>
+                <a:cs typeface="Calibri"/>
+              </a:rPr>
+              <a:t> </a:t>
+            </a:r>
+            <a:r>
+              <a:rPr sz="1600" dirty="0">
                 <a:latin typeface="Calibri"/>
                 <a:cs typeface="Calibri"/>
               </a:rPr>
               <a:t>share</a:t>
             </a:r>
             <a:r>
-              <a:rPr sz="1800" spc="-90" dirty="0">
-                <a:latin typeface="Calibri"/>
-                <a:cs typeface="Calibri"/>
-              </a:rPr>
-              <a:t> </a:t>
-            </a:r>
-            <a:r>
-              <a:rPr sz="1800" spc="-10" dirty="0">
+              <a:rPr sz="1600" spc="-90" dirty="0">
+                <a:latin typeface="Calibri"/>
+                <a:cs typeface="Calibri"/>
+              </a:rPr>
+              <a:t> </a:t>
+            </a:r>
+            <a:r>
+              <a:rPr sz="1600" spc="-10" dirty="0">
                 <a:latin typeface="Calibri"/>
                 <a:cs typeface="Calibri"/>
               </a:rPr>
               <a:t>information</a:t>
             </a:r>
             <a:r>
-              <a:rPr sz="1800" spc="-60" dirty="0">
-                <a:latin typeface="Calibri"/>
-                <a:cs typeface="Calibri"/>
-              </a:rPr>
-              <a:t> </a:t>
-            </a:r>
-            <a:r>
-              <a:rPr sz="1800" dirty="0">
+              <a:rPr sz="1600" spc="-60" dirty="0">
+                <a:latin typeface="Calibri"/>
+                <a:cs typeface="Calibri"/>
+              </a:rPr>
+              <a:t> </a:t>
+            </a:r>
+            <a:r>
+              <a:rPr sz="1600" dirty="0">
                 <a:latin typeface="Calibri"/>
                 <a:cs typeface="Calibri"/>
               </a:rPr>
               <a:t>on</a:t>
             </a:r>
             <a:r>
-              <a:rPr sz="1800" spc="-90" dirty="0">
-                <a:latin typeface="Calibri"/>
-                <a:cs typeface="Calibri"/>
-              </a:rPr>
-              <a:t> </a:t>
-            </a:r>
-            <a:r>
-              <a:rPr sz="1800" spc="-10" dirty="0">
+              <a:rPr sz="1600" spc="-90" dirty="0">
+                <a:latin typeface="Calibri"/>
+                <a:cs typeface="Calibri"/>
+              </a:rPr>
+              <a:t> </a:t>
+            </a:r>
+            <a:r>
+              <a:rPr sz="1600" spc="-10" dirty="0">
                 <a:latin typeface="Calibri"/>
                 <a:cs typeface="Calibri"/>
               </a:rPr>
               <a:t>social</a:t>
             </a:r>
             <a:r>
-              <a:rPr sz="1800" spc="-90" dirty="0">
-                <a:latin typeface="Calibri"/>
-                <a:cs typeface="Calibri"/>
-              </a:rPr>
-              <a:t> </a:t>
-            </a:r>
-            <a:r>
-              <a:rPr sz="1800" dirty="0">
+              <a:rPr sz="1600" spc="-90" dirty="0">
+                <a:latin typeface="Calibri"/>
+                <a:cs typeface="Calibri"/>
+              </a:rPr>
+              <a:t> </a:t>
+            </a:r>
+            <a:r>
+              <a:rPr sz="1600" dirty="0">
                 <a:latin typeface="Calibri"/>
                 <a:cs typeface="Calibri"/>
               </a:rPr>
               <a:t>media</a:t>
             </a:r>
             <a:r>
-              <a:rPr sz="1800" spc="-30" dirty="0">
-                <a:latin typeface="Calibri"/>
-                <a:cs typeface="Calibri"/>
-              </a:rPr>
-              <a:t> </a:t>
-            </a:r>
-            <a:r>
-              <a:rPr sz="1800" dirty="0">
+              <a:rPr sz="1600" spc="-30" dirty="0">
+                <a:latin typeface="Calibri"/>
+                <a:cs typeface="Calibri"/>
+              </a:rPr>
+              <a:t> </a:t>
+            </a:r>
+            <a:r>
+              <a:rPr sz="1600" dirty="0">
                 <a:latin typeface="Calibri"/>
                 <a:cs typeface="Calibri"/>
               </a:rPr>
               <a:t>for</a:t>
             </a:r>
             <a:r>
-              <a:rPr sz="1800" spc="-85" dirty="0">
-                <a:latin typeface="Calibri"/>
-                <a:cs typeface="Calibri"/>
-              </a:rPr>
-              <a:t> </a:t>
-            </a:r>
-            <a:r>
-              <a:rPr sz="1800" dirty="0">
+              <a:rPr sz="1600" spc="-85" dirty="0">
+                <a:latin typeface="Calibri"/>
+                <a:cs typeface="Calibri"/>
+              </a:rPr>
+              <a:t> </a:t>
+            </a:r>
+            <a:r>
+              <a:rPr sz="1600" dirty="0">
                 <a:latin typeface="Calibri"/>
                 <a:cs typeface="Calibri"/>
               </a:rPr>
               <a:t>increased</a:t>
             </a:r>
             <a:r>
-              <a:rPr sz="1800" spc="-60" dirty="0">
-                <a:latin typeface="Calibri"/>
-                <a:cs typeface="Calibri"/>
-              </a:rPr>
-              <a:t> </a:t>
-            </a:r>
-            <a:r>
-              <a:rPr sz="1800" spc="-10" dirty="0">
+              <a:rPr sz="1600" spc="-60" dirty="0">
+                <a:latin typeface="Calibri"/>
+                <a:cs typeface="Calibri"/>
+              </a:rPr>
+              <a:t> </a:t>
+            </a:r>
+            <a:r>
+              <a:rPr sz="1600" spc="-10" dirty="0">
                 <a:latin typeface="Calibri"/>
                 <a:cs typeface="Calibri"/>
               </a:rPr>
               <a:t>interactivity.</a:t>
             </a:r>
-            <a:endParaRPr sz="1800">
+            <a:endParaRPr sz="1600" dirty="0">
               <a:latin typeface="Calibri"/>
               <a:cs typeface="Calibri"/>
             </a:endParaRPr>
@@ -3639,216 +3661,216 @@
               </a:tabLst>
             </a:pPr>
             <a:r>
-              <a:rPr sz="1800" dirty="0">
+              <a:rPr sz="1600" dirty="0">
                 <a:latin typeface="Calibri"/>
                 <a:cs typeface="Calibri"/>
               </a:rPr>
               <a:t>An</a:t>
             </a:r>
             <a:r>
-              <a:rPr sz="1800" spc="-105" dirty="0">
-                <a:latin typeface="Calibri"/>
-                <a:cs typeface="Calibri"/>
-              </a:rPr>
-              <a:t> </a:t>
-            </a:r>
-            <a:r>
-              <a:rPr sz="1800" dirty="0">
+              <a:rPr sz="1600" spc="-105" dirty="0">
+                <a:latin typeface="Calibri"/>
+                <a:cs typeface="Calibri"/>
+              </a:rPr>
+              <a:t> </a:t>
+            </a:r>
+            <a:r>
+              <a:rPr sz="1600" dirty="0">
                 <a:latin typeface="Calibri"/>
                 <a:cs typeface="Calibri"/>
               </a:rPr>
               <a:t>engaging,</a:t>
             </a:r>
             <a:r>
-              <a:rPr sz="1800" spc="5" dirty="0">
-                <a:latin typeface="Calibri"/>
-                <a:cs typeface="Calibri"/>
-              </a:rPr>
-              <a:t> </a:t>
-            </a:r>
-            <a:r>
-              <a:rPr sz="1800" spc="-20" dirty="0">
+              <a:rPr sz="1600" spc="5" dirty="0">
+                <a:latin typeface="Calibri"/>
+                <a:cs typeface="Calibri"/>
+              </a:rPr>
+              <a:t> </a:t>
+            </a:r>
+            <a:r>
+              <a:rPr sz="1600" spc="-20" dirty="0">
                 <a:latin typeface="Calibri"/>
                 <a:cs typeface="Calibri"/>
               </a:rPr>
               <a:t>educational</a:t>
             </a:r>
             <a:r>
-              <a:rPr sz="1800" spc="-75" dirty="0">
-                <a:latin typeface="Calibri"/>
-                <a:cs typeface="Calibri"/>
-              </a:rPr>
-              <a:t> </a:t>
-            </a:r>
-            <a:r>
-              <a:rPr sz="1800" dirty="0">
+              <a:rPr sz="1600" spc="-75" dirty="0">
+                <a:latin typeface="Calibri"/>
+                <a:cs typeface="Calibri"/>
+              </a:rPr>
+              <a:t> </a:t>
+            </a:r>
+            <a:r>
+              <a:rPr sz="1600" dirty="0">
                 <a:latin typeface="Calibri"/>
                 <a:cs typeface="Calibri"/>
               </a:rPr>
               <a:t>and</a:t>
             </a:r>
             <a:r>
-              <a:rPr sz="1800" spc="10" dirty="0">
-                <a:latin typeface="Calibri"/>
-                <a:cs typeface="Calibri"/>
-              </a:rPr>
-              <a:t> </a:t>
-            </a:r>
-            <a:r>
-              <a:rPr sz="1800" spc="-30" dirty="0">
+              <a:rPr sz="1600" spc="10" dirty="0">
+                <a:latin typeface="Calibri"/>
+                <a:cs typeface="Calibri"/>
+              </a:rPr>
+              <a:t> </a:t>
+            </a:r>
+            <a:r>
+              <a:rPr sz="1600" spc="-30" dirty="0">
                 <a:latin typeface="Calibri"/>
                 <a:cs typeface="Calibri"/>
               </a:rPr>
               <a:t>user-</a:t>
             </a:r>
             <a:r>
-              <a:rPr sz="1800" dirty="0">
+              <a:rPr sz="1600" dirty="0">
                 <a:latin typeface="Calibri"/>
                 <a:cs typeface="Calibri"/>
               </a:rPr>
               <a:t>friendly</a:t>
             </a:r>
             <a:r>
-              <a:rPr sz="1800" spc="-70" dirty="0">
-                <a:latin typeface="Calibri"/>
-                <a:cs typeface="Calibri"/>
-              </a:rPr>
-              <a:t> </a:t>
-            </a:r>
-            <a:r>
-              <a:rPr sz="1800" spc="-10" dirty="0">
+              <a:rPr sz="1600" spc="-70" dirty="0">
+                <a:latin typeface="Calibri"/>
+                <a:cs typeface="Calibri"/>
+              </a:rPr>
+              <a:t> </a:t>
+            </a:r>
+            <a:r>
+              <a:rPr sz="1600" spc="-10" dirty="0">
                 <a:latin typeface="Calibri"/>
                 <a:cs typeface="Calibri"/>
               </a:rPr>
               <a:t>platform</a:t>
             </a:r>
             <a:r>
-              <a:rPr sz="1800" spc="-75" dirty="0">
-                <a:latin typeface="Calibri"/>
-                <a:cs typeface="Calibri"/>
-              </a:rPr>
-              <a:t> </a:t>
-            </a:r>
-            <a:r>
-              <a:rPr sz="1800" dirty="0">
+              <a:rPr sz="1600" spc="-75" dirty="0">
+                <a:latin typeface="Calibri"/>
+                <a:cs typeface="Calibri"/>
+              </a:rPr>
+              <a:t> </a:t>
+            </a:r>
+            <a:r>
+              <a:rPr sz="1600" dirty="0">
                 <a:latin typeface="Calibri"/>
                 <a:cs typeface="Calibri"/>
               </a:rPr>
               <a:t>that</a:t>
             </a:r>
             <a:r>
-              <a:rPr sz="1800" spc="-5" dirty="0">
-                <a:latin typeface="Calibri"/>
-                <a:cs typeface="Calibri"/>
-              </a:rPr>
-              <a:t> </a:t>
-            </a:r>
-            <a:r>
-              <a:rPr sz="1800" spc="-10" dirty="0">
+              <a:rPr sz="1600" spc="-5" dirty="0">
+                <a:latin typeface="Calibri"/>
+                <a:cs typeface="Calibri"/>
+              </a:rPr>
+              <a:t> </a:t>
+            </a:r>
+            <a:r>
+              <a:rPr sz="1600" spc="-10" dirty="0">
                 <a:latin typeface="Calibri"/>
                 <a:cs typeface="Calibri"/>
               </a:rPr>
               <a:t>promotes</a:t>
             </a:r>
             <a:r>
-              <a:rPr sz="1800" spc="-130" dirty="0">
-                <a:latin typeface="Calibri"/>
-                <a:cs typeface="Calibri"/>
-              </a:rPr>
-              <a:t> </a:t>
-            </a:r>
-            <a:r>
-              <a:rPr sz="1800" spc="-10" dirty="0">
+              <a:rPr sz="1600" spc="-130" dirty="0">
+                <a:latin typeface="Calibri"/>
+                <a:cs typeface="Calibri"/>
+              </a:rPr>
+              <a:t> </a:t>
+            </a:r>
+            <a:r>
+              <a:rPr sz="1600" spc="-10" dirty="0">
                 <a:latin typeface="Calibri"/>
                 <a:cs typeface="Calibri"/>
               </a:rPr>
               <a:t>appreciation</a:t>
             </a:r>
             <a:r>
-              <a:rPr sz="1800" spc="-45" dirty="0">
-                <a:latin typeface="Calibri"/>
-                <a:cs typeface="Calibri"/>
-              </a:rPr>
-              <a:t> </a:t>
-            </a:r>
-            <a:r>
-              <a:rPr sz="1800" dirty="0">
+              <a:rPr sz="1600" spc="-45" dirty="0">
+                <a:latin typeface="Calibri"/>
+                <a:cs typeface="Calibri"/>
+              </a:rPr>
+              <a:t> </a:t>
+            </a:r>
+            <a:r>
+              <a:rPr sz="1600" dirty="0">
                 <a:latin typeface="Calibri"/>
                 <a:cs typeface="Calibri"/>
               </a:rPr>
               <a:t>of</a:t>
             </a:r>
             <a:r>
-              <a:rPr sz="1800" spc="-105" dirty="0">
-                <a:latin typeface="Calibri"/>
-                <a:cs typeface="Calibri"/>
-              </a:rPr>
-              <a:t> </a:t>
-            </a:r>
-            <a:r>
-              <a:rPr sz="1800" dirty="0">
+              <a:rPr sz="1600" spc="-105" dirty="0">
+                <a:latin typeface="Calibri"/>
+                <a:cs typeface="Calibri"/>
+              </a:rPr>
+              <a:t> </a:t>
+            </a:r>
+            <a:r>
+              <a:rPr sz="1600" dirty="0">
                 <a:latin typeface="Calibri"/>
                 <a:cs typeface="Calibri"/>
               </a:rPr>
               <a:t>plant</a:t>
             </a:r>
             <a:r>
-              <a:rPr sz="1800" spc="-25" dirty="0">
-                <a:latin typeface="Calibri"/>
-                <a:cs typeface="Calibri"/>
-              </a:rPr>
-              <a:t> </a:t>
-            </a:r>
-            <a:r>
-              <a:rPr sz="1800" dirty="0">
+              <a:rPr sz="1600" spc="-25" dirty="0">
+                <a:latin typeface="Calibri"/>
+                <a:cs typeface="Calibri"/>
+              </a:rPr>
+              <a:t> </a:t>
+            </a:r>
+            <a:r>
+              <a:rPr sz="1600" dirty="0">
                 <a:latin typeface="Calibri"/>
                 <a:cs typeface="Calibri"/>
               </a:rPr>
               <a:t>diversity</a:t>
             </a:r>
             <a:r>
-              <a:rPr sz="1800" spc="-25" dirty="0">
-                <a:latin typeface="Calibri"/>
-                <a:cs typeface="Calibri"/>
-              </a:rPr>
-              <a:t> </a:t>
-            </a:r>
-            <a:r>
-              <a:rPr sz="1800" dirty="0">
+              <a:rPr sz="1600" spc="-25" dirty="0">
+                <a:latin typeface="Calibri"/>
+                <a:cs typeface="Calibri"/>
+              </a:rPr>
+              <a:t> </a:t>
+            </a:r>
+            <a:r>
+              <a:rPr sz="1600" dirty="0">
                 <a:latin typeface="Calibri"/>
                 <a:cs typeface="Calibri"/>
               </a:rPr>
               <a:t>and</a:t>
             </a:r>
             <a:r>
-              <a:rPr sz="1800" spc="-65" dirty="0">
-                <a:latin typeface="Calibri"/>
-                <a:cs typeface="Calibri"/>
-              </a:rPr>
-              <a:t> </a:t>
-            </a:r>
-            <a:r>
-              <a:rPr sz="1800" dirty="0">
+              <a:rPr sz="1600" spc="-65" dirty="0">
+                <a:latin typeface="Calibri"/>
+                <a:cs typeface="Calibri"/>
+              </a:rPr>
+              <a:t> </a:t>
+            </a:r>
+            <a:r>
+              <a:rPr sz="1600" dirty="0">
                 <a:latin typeface="Calibri"/>
                 <a:cs typeface="Calibri"/>
               </a:rPr>
               <a:t>medicinal</a:t>
             </a:r>
             <a:r>
-              <a:rPr sz="1800" spc="-45" dirty="0">
-                <a:latin typeface="Calibri"/>
-                <a:cs typeface="Calibri"/>
-              </a:rPr>
-              <a:t> </a:t>
-            </a:r>
-            <a:r>
-              <a:rPr sz="1800" spc="-10" dirty="0">
+              <a:rPr sz="1600" spc="-45" dirty="0">
+                <a:latin typeface="Calibri"/>
+                <a:cs typeface="Calibri"/>
+              </a:rPr>
+              <a:t> </a:t>
+            </a:r>
+            <a:r>
+              <a:rPr sz="1600" spc="-10" dirty="0">
                 <a:latin typeface="Calibri"/>
                 <a:cs typeface="Calibri"/>
               </a:rPr>
               <a:t>value.</a:t>
             </a:r>
-            <a:endParaRPr sz="1800">
+            <a:endParaRPr sz="1600" dirty="0">
               <a:latin typeface="Calibri"/>
               <a:cs typeface="Calibri"/>
             </a:endParaRPr>
@@ -3863,7 +3885,7 @@
         </p:nvSpPr>
         <p:spPr>
           <a:xfrm>
-            <a:off x="347662" y="262000"/>
+            <a:off x="190500" y="99025"/>
             <a:ext cx="1248410" cy="809625"/>
           </a:xfrm>
           <a:custGeom>
@@ -4123,7 +4145,7 @@
         </p:blipFill>
         <p:spPr>
           <a:xfrm>
-            <a:off x="3238500" y="1123950"/>
+            <a:off x="3244871" y="884685"/>
             <a:ext cx="571500" cy="533400"/>
           </a:xfrm>
           <a:prstGeom prst="rect">
@@ -4139,7 +4161,7 @@
         </p:nvSpPr>
         <p:spPr>
           <a:xfrm>
-            <a:off x="600392" y="998898"/>
+            <a:off x="600392" y="815978"/>
             <a:ext cx="2704465" cy="836294"/>
           </a:xfrm>
           <a:prstGeom prst="rect">
@@ -4220,7 +4242,7 @@
               </a:rPr>
               <a:t>Herbarium</a:t>
             </a:r>
-            <a:endParaRPr sz="2100">
+            <a:endParaRPr lang="en-IN" sz="2100" dirty="0">
               <a:latin typeface="Arial"/>
               <a:cs typeface="Arial"/>
             </a:endParaRPr>
@@ -4235,55 +4257,55 @@
               </a:spcBef>
             </a:pPr>
             <a:r>
-              <a:rPr sz="1800" dirty="0">
+              <a:rPr lang="en-IN" sz="1800" dirty="0">
                 <a:latin typeface="Calibri"/>
                 <a:cs typeface="Calibri"/>
               </a:rPr>
               <a:t>Creating</a:t>
             </a:r>
             <a:r>
-              <a:rPr sz="1800" spc="-75" dirty="0">
-                <a:latin typeface="Calibri"/>
-                <a:cs typeface="Calibri"/>
-              </a:rPr>
-              <a:t> </a:t>
-            </a:r>
-            <a:r>
-              <a:rPr sz="1800" dirty="0">
+              <a:rPr lang="en-IN" sz="1800" spc="-75" dirty="0">
+                <a:latin typeface="Calibri"/>
+                <a:cs typeface="Calibri"/>
+              </a:rPr>
+              <a:t> </a:t>
+            </a:r>
+            <a:r>
+              <a:rPr lang="en-IN" sz="1800" dirty="0">
                 <a:latin typeface="Calibri"/>
                 <a:cs typeface="Calibri"/>
               </a:rPr>
               <a:t>an</a:t>
             </a:r>
             <a:r>
-              <a:rPr sz="1800" spc="-105" dirty="0">
-                <a:latin typeface="Calibri"/>
-                <a:cs typeface="Calibri"/>
-              </a:rPr>
-              <a:t> </a:t>
-            </a:r>
-            <a:r>
-              <a:rPr sz="1800" spc="-10" dirty="0">
+              <a:rPr lang="en-IN" sz="1800" spc="-105" dirty="0">
+                <a:latin typeface="Calibri"/>
+                <a:cs typeface="Calibri"/>
+              </a:rPr>
+              <a:t> </a:t>
+            </a:r>
+            <a:r>
+              <a:rPr lang="en-IN" sz="1800" spc="-10" dirty="0">
                 <a:latin typeface="Calibri"/>
                 <a:cs typeface="Calibri"/>
               </a:rPr>
               <a:t>innovative</a:t>
             </a:r>
             <a:r>
-              <a:rPr sz="1800" spc="-85" dirty="0">
-                <a:latin typeface="Calibri"/>
-                <a:cs typeface="Calibri"/>
-              </a:rPr>
-              <a:t> </a:t>
-            </a:r>
-            <a:r>
-              <a:rPr sz="1800" spc="-10" dirty="0">
+              <a:rPr lang="en-IN" sz="1800" spc="-85" dirty="0">
+                <a:latin typeface="Calibri"/>
+                <a:cs typeface="Calibri"/>
+              </a:rPr>
+              <a:t> </a:t>
+            </a:r>
+            <a:r>
+              <a:rPr lang="en-IN" sz="1800" spc="-10" dirty="0">
                 <a:latin typeface="Calibri"/>
                 <a:cs typeface="Calibri"/>
               </a:rPr>
               <a:t>digital</a:t>
             </a:r>
-            <a:endParaRPr sz="1800">
+            <a:endParaRPr lang="en-IN" sz="1800" dirty="0">
               <a:latin typeface="Calibri"/>
               <a:cs typeface="Calibri"/>
             </a:endParaRPr>
@@ -4298,8 +4320,8 @@
         </p:nvSpPr>
         <p:spPr>
           <a:xfrm>
-            <a:off x="600392" y="1820481"/>
-            <a:ext cx="3343910" cy="2799715"/>
+            <a:off x="592074" y="1545804"/>
+            <a:ext cx="3343910" cy="3086551"/>
           </a:xfrm>
           <a:prstGeom prst="rect">
             <a:avLst/>
@@ -4480,7 +4502,7 @@
               </a:rPr>
               <a:t>herbs.</a:t>
             </a:r>
-            <a:endParaRPr sz="1800">
+            <a:endParaRPr sz="1800" dirty="0">
               <a:latin typeface="Calibri"/>
               <a:cs typeface="Calibri"/>
             </a:endParaRPr>
@@ -4530,7 +4552,7 @@
               </a:rPr>
               <a:t>Interface</a:t>
             </a:r>
-            <a:endParaRPr sz="2100">
+            <a:endParaRPr sz="2100" dirty="0">
               <a:latin typeface="Arial"/>
               <a:cs typeface="Arial"/>
             </a:endParaRPr>
@@ -4601,6 +4623,13 @@
               <a:t> </a:t>
             </a:r>
             <a:r>
+              <a:rPr lang="en-IN" sz="1800" spc="-75" dirty="0">
+                <a:latin typeface="Calibri"/>
+                <a:cs typeface="Calibri"/>
+              </a:rPr>
+              <a:t>a </a:t>
+            </a:r>
+            <a:r>
               <a:rPr sz="1800" dirty="0">
                 <a:latin typeface="Calibri"/>
                 <a:cs typeface="Calibri"/>
@@ -4685,20 +4714,6 @@
               <a:t>for </a:t>
             </a:r>
             <a:r>
-              <a:rPr sz="1800" dirty="0">
-                <a:latin typeface="Calibri"/>
-                <a:cs typeface="Calibri"/>
-              </a:rPr>
-              <a:t>both</a:t>
-            </a:r>
-            <a:r>
-              <a:rPr sz="1800" spc="5" dirty="0">
-                <a:latin typeface="Calibri"/>
-                <a:cs typeface="Calibri"/>
-              </a:rPr>
-              <a:t> </a:t>
-            </a:r>
-            <a:r>
               <a:rPr sz="1800" spc="-20" dirty="0">
                 <a:latin typeface="Calibri"/>
                 <a:cs typeface="Calibri"/>
@@ -4852,7 +4867,7 @@
               </a:rPr>
               <a:t>preferences.</a:t>
             </a:r>
-            <a:endParaRPr sz="1800">
+            <a:endParaRPr sz="1800" dirty="0">
               <a:latin typeface="Calibri"/>
               <a:cs typeface="Calibri"/>
             </a:endParaRPr>
@@ -4867,7 +4882,7 @@
         </p:nvSpPr>
         <p:spPr>
           <a:xfrm>
-            <a:off x="4360926" y="945224"/>
+            <a:off x="4360925" y="908650"/>
             <a:ext cx="3176905" cy="876935"/>
           </a:xfrm>
           <a:prstGeom prst="rect">
@@ -4924,7 +4939,7 @@
               </a:rPr>
               <a:t>Features</a:t>
             </a:r>
-            <a:endParaRPr sz="2100">
+            <a:endParaRPr sz="2100" dirty="0">
               <a:latin typeface="Arial"/>
               <a:cs typeface="Arial"/>
             </a:endParaRPr>
@@ -5015,7 +5030,7 @@
               </a:rPr>
               <a:t>and</a:t>
             </a:r>
-            <a:endParaRPr sz="1800">
+            <a:endParaRPr sz="1800" dirty="0">
               <a:latin typeface="Calibri"/>
               <a:cs typeface="Calibri"/>
             </a:endParaRPr>
@@ -5030,7 +5045,7 @@
         </p:nvSpPr>
         <p:spPr>
           <a:xfrm>
-            <a:off x="4343146" y="1798256"/>
+            <a:off x="4346271" y="1761905"/>
             <a:ext cx="3420745" cy="2808605"/>
           </a:xfrm>
           <a:prstGeom prst="rect">
@@ -5212,7 +5227,7 @@
               </a:rPr>
               <a:t>fruits.</a:t>
             </a:r>
-            <a:endParaRPr sz="1800">
+            <a:endParaRPr sz="1800" dirty="0">
               <a:latin typeface="Calibri"/>
               <a:cs typeface="Calibri"/>
             </a:endParaRPr>
@@ -5274,7 +5289,7 @@
               </a:rPr>
               <a:t>Option</a:t>
             </a:r>
-            <a:endParaRPr sz="2100">
+            <a:endParaRPr sz="2100" dirty="0">
               <a:latin typeface="Arial"/>
               <a:cs typeface="Arial"/>
             </a:endParaRPr>
@@ -5519,7 +5534,7 @@
               </a:rPr>
               <a:t>type.</a:t>
             </a:r>
-            <a:endParaRPr sz="1800">
+            <a:endParaRPr sz="1800" dirty="0">
               <a:latin typeface="Calibri"/>
               <a:cs typeface="Calibri"/>
             </a:endParaRPr>
@@ -5534,8 +5549,8 @@
         </p:nvSpPr>
         <p:spPr>
           <a:xfrm>
-            <a:off x="8256016" y="945224"/>
-            <a:ext cx="3406775" cy="3394710"/>
+            <a:off x="8256017" y="945224"/>
+            <a:ext cx="3133344" cy="3691844"/>
           </a:xfrm>
           <a:prstGeom prst="rect">
             <a:avLst/>
@@ -5591,7 +5606,7 @@
               </a:rPr>
               <a:t>Experience</a:t>
             </a:r>
-            <a:endParaRPr sz="2100">
+            <a:endParaRPr sz="2100" dirty="0">
               <a:latin typeface="Arial"/>
               <a:cs typeface="Arial"/>
             </a:endParaRPr>
@@ -5606,35 +5621,154 @@
               </a:spcBef>
             </a:pPr>
             <a:r>
+              <a:rPr lang="en-IN" sz="1800" spc="-25" dirty="0">
+                <a:latin typeface="Calibri"/>
+                <a:cs typeface="Calibri"/>
+              </a:rPr>
+              <a:t>We are integrating</a:t>
+            </a:r>
+            <a:r>
+              <a:rPr sz="1800" dirty="0">
+                <a:latin typeface="Calibri"/>
+                <a:cs typeface="Calibri"/>
+              </a:rPr>
+              <a:t> </a:t>
+            </a:r>
+            <a:r>
+              <a:rPr lang="en-IN" sz="1800" dirty="0">
+                <a:latin typeface="Calibri"/>
+                <a:cs typeface="Calibri"/>
+              </a:rPr>
+              <a:t>high-quality</a:t>
+            </a:r>
+            <a:r>
+              <a:rPr sz="1800" spc="-65" dirty="0">
+                <a:latin typeface="Calibri"/>
+                <a:cs typeface="Calibri"/>
+              </a:rPr>
+              <a:t> </a:t>
+            </a:r>
+            <a:r>
+              <a:rPr sz="1800" spc="-10" dirty="0">
+                <a:latin typeface="Calibri"/>
+                <a:cs typeface="Calibri"/>
+              </a:rPr>
+              <a:t>multimedia </a:t>
+            </a:r>
+            <a:r>
+              <a:rPr sz="1800" spc="-20" dirty="0">
+                <a:latin typeface="Calibri"/>
+                <a:cs typeface="Calibri"/>
+              </a:rPr>
+              <a:t>elements</a:t>
+            </a:r>
+            <a:r>
+              <a:rPr sz="1800" spc="-80" dirty="0">
+                <a:latin typeface="Calibri"/>
+                <a:cs typeface="Calibri"/>
+              </a:rPr>
+              <a:t> </a:t>
+            </a:r>
+            <a:r>
+              <a:rPr sz="1800" dirty="0">
+                <a:latin typeface="Calibri"/>
+                <a:cs typeface="Calibri"/>
+              </a:rPr>
+              <a:t>like</a:t>
+            </a:r>
+            <a:r>
+              <a:rPr sz="1800" spc="-55" dirty="0">
+                <a:latin typeface="Calibri"/>
+                <a:cs typeface="Calibri"/>
+              </a:rPr>
+              <a:t> </a:t>
+            </a:r>
+            <a:r>
+              <a:rPr sz="1800" dirty="0">
+                <a:latin typeface="Calibri"/>
+                <a:cs typeface="Calibri"/>
+              </a:rPr>
+              <a:t>images,</a:t>
+            </a:r>
+            <a:r>
+              <a:rPr sz="1800" spc="20" dirty="0">
+                <a:latin typeface="Calibri"/>
+                <a:cs typeface="Calibri"/>
+              </a:rPr>
+              <a:t> </a:t>
+            </a:r>
+            <a:r>
+              <a:rPr sz="1800" spc="-20" dirty="0">
+                <a:latin typeface="Calibri"/>
+                <a:cs typeface="Calibri"/>
+              </a:rPr>
+              <a:t>videos</a:t>
+            </a:r>
+            <a:r>
+              <a:rPr sz="1800" spc="-100" dirty="0">
+                <a:latin typeface="Calibri"/>
+                <a:cs typeface="Calibri"/>
+              </a:rPr>
+              <a:t> </a:t>
+            </a:r>
+            <a:r>
               <a:rPr sz="1800" spc="-25" dirty="0">
                 <a:latin typeface="Calibri"/>
                 <a:cs typeface="Calibri"/>
               </a:rPr>
-              <a:t>Integrating</a:t>
-            </a:r>
-            <a:r>
-              <a:rPr sz="1800" dirty="0">
-                <a:latin typeface="Calibri"/>
-                <a:cs typeface="Calibri"/>
-              </a:rPr>
-              <a:t> high</a:t>
-            </a:r>
-            <a:r>
-              <a:rPr sz="1800" spc="-20" dirty="0">
-                <a:latin typeface="Calibri"/>
-                <a:cs typeface="Calibri"/>
-              </a:rPr>
-              <a:t> </a:t>
-            </a:r>
-            <a:r>
-              <a:rPr sz="1800" dirty="0">
-                <a:latin typeface="Calibri"/>
-                <a:cs typeface="Calibri"/>
-              </a:rPr>
-              <a:t>quality</a:t>
-            </a:r>
-            <a:r>
-              <a:rPr sz="1800" spc="-65" dirty="0">
+              <a:t>and </a:t>
+            </a:r>
+            <a:r>
+              <a:rPr sz="1800" dirty="0">
+                <a:latin typeface="Calibri"/>
+                <a:cs typeface="Calibri"/>
+              </a:rPr>
+              <a:t>audio</a:t>
+            </a:r>
+            <a:r>
+              <a:rPr sz="1800" spc="-25" dirty="0">
+                <a:latin typeface="Calibri"/>
+                <a:cs typeface="Calibri"/>
+              </a:rPr>
+              <a:t> </a:t>
+            </a:r>
+            <a:r>
+              <a:rPr sz="1800" dirty="0">
+                <a:latin typeface="Calibri"/>
+                <a:cs typeface="Calibri"/>
+              </a:rPr>
+              <a:t>to</a:t>
+            </a:r>
+            <a:r>
+              <a:rPr sz="1800" spc="-70" dirty="0">
+                <a:latin typeface="Calibri"/>
+                <a:cs typeface="Calibri"/>
+              </a:rPr>
+              <a:t> </a:t>
+            </a:r>
+            <a:r>
+              <a:rPr sz="1800" dirty="0">
+                <a:latin typeface="Calibri"/>
+                <a:cs typeface="Calibri"/>
+              </a:rPr>
+              <a:t>enhance</a:t>
+            </a:r>
+            <a:r>
+              <a:rPr sz="1800" spc="-70" dirty="0">
+                <a:latin typeface="Calibri"/>
+                <a:cs typeface="Calibri"/>
+              </a:rPr>
+              <a:t> </a:t>
+            </a:r>
+            <a:r>
+              <a:rPr sz="1800" dirty="0">
+                <a:latin typeface="Calibri"/>
+                <a:cs typeface="Calibri"/>
+              </a:rPr>
+              <a:t>the</a:t>
+            </a:r>
+            <a:r>
+              <a:rPr sz="1800" spc="-80" dirty="0">
                 <a:latin typeface="Calibri"/>
                 <a:cs typeface="Calibri"/>
               </a:rPr>
@@ -5645,135 +5779,9 @@
                 <a:latin typeface="Calibri"/>
                 <a:cs typeface="Calibri"/>
               </a:rPr>
-              <a:t>multimedia </a:t>
-            </a:r>
-            <a:r>
-              <a:rPr sz="1800" spc="-20" dirty="0">
-                <a:latin typeface="Calibri"/>
-                <a:cs typeface="Calibri"/>
-              </a:rPr>
-              <a:t>elements</a:t>
-            </a:r>
-            <a:r>
-              <a:rPr sz="1800" spc="-80" dirty="0">
-                <a:latin typeface="Calibri"/>
-                <a:cs typeface="Calibri"/>
-              </a:rPr>
-              <a:t> </a:t>
-            </a:r>
-            <a:r>
-              <a:rPr sz="1800" dirty="0">
-                <a:latin typeface="Calibri"/>
-                <a:cs typeface="Calibri"/>
-              </a:rPr>
-              <a:t>like</a:t>
-            </a:r>
-            <a:r>
-              <a:rPr sz="1800" spc="-55" dirty="0">
-                <a:latin typeface="Calibri"/>
-                <a:cs typeface="Calibri"/>
-              </a:rPr>
-              <a:t> </a:t>
-            </a:r>
-            <a:r>
-              <a:rPr sz="1800" dirty="0">
-                <a:latin typeface="Calibri"/>
-                <a:cs typeface="Calibri"/>
-              </a:rPr>
-              <a:t>images,</a:t>
-            </a:r>
-            <a:r>
-              <a:rPr sz="1800" spc="20" dirty="0">
-                <a:latin typeface="Calibri"/>
-                <a:cs typeface="Calibri"/>
-              </a:rPr>
-              <a:t> </a:t>
-            </a:r>
-            <a:r>
-              <a:rPr sz="1800" spc="-20" dirty="0">
-                <a:latin typeface="Calibri"/>
-                <a:cs typeface="Calibri"/>
-              </a:rPr>
-              <a:t>videos</a:t>
-            </a:r>
-            <a:r>
-              <a:rPr sz="1800" spc="-100" dirty="0">
-                <a:latin typeface="Calibri"/>
-                <a:cs typeface="Calibri"/>
-              </a:rPr>
-              <a:t> </a:t>
-            </a:r>
-            <a:r>
-              <a:rPr sz="1800" spc="-25" dirty="0">
-                <a:latin typeface="Calibri"/>
-                <a:cs typeface="Calibri"/>
-              </a:rPr>
-              <a:t>and </a:t>
-            </a:r>
-            <a:r>
-              <a:rPr sz="1800" dirty="0">
-                <a:latin typeface="Calibri"/>
-                <a:cs typeface="Calibri"/>
-              </a:rPr>
-              <a:t>audio</a:t>
-            </a:r>
-            <a:r>
-              <a:rPr sz="1800" spc="-25" dirty="0">
-                <a:latin typeface="Calibri"/>
-                <a:cs typeface="Calibri"/>
-              </a:rPr>
-              <a:t> </a:t>
-            </a:r>
-            <a:r>
-              <a:rPr sz="1800" dirty="0">
-                <a:latin typeface="Calibri"/>
-                <a:cs typeface="Calibri"/>
-              </a:rPr>
-              <a:t>to</a:t>
-            </a:r>
-            <a:r>
-              <a:rPr sz="1800" spc="-70" dirty="0">
-                <a:latin typeface="Calibri"/>
-                <a:cs typeface="Calibri"/>
-              </a:rPr>
-              <a:t> </a:t>
-            </a:r>
-            <a:r>
-              <a:rPr sz="1800" dirty="0">
-                <a:latin typeface="Calibri"/>
-                <a:cs typeface="Calibri"/>
-              </a:rPr>
-              <a:t>enhance</a:t>
-            </a:r>
-            <a:r>
-              <a:rPr sz="1800" spc="-70" dirty="0">
-                <a:latin typeface="Calibri"/>
-                <a:cs typeface="Calibri"/>
-              </a:rPr>
-              <a:t> </a:t>
-            </a:r>
-            <a:r>
-              <a:rPr sz="1800" dirty="0">
-                <a:latin typeface="Calibri"/>
-                <a:cs typeface="Calibri"/>
-              </a:rPr>
-              <a:t>the</a:t>
-            </a:r>
-            <a:r>
-              <a:rPr sz="1800" spc="-80" dirty="0">
-                <a:latin typeface="Calibri"/>
-                <a:cs typeface="Calibri"/>
-              </a:rPr>
-              <a:t> </a:t>
-            </a:r>
-            <a:r>
-              <a:rPr sz="1800" spc="-10" dirty="0">
-                <a:latin typeface="Calibri"/>
-                <a:cs typeface="Calibri"/>
-              </a:rPr>
               <a:t>learning experience.</a:t>
             </a:r>
-            <a:endParaRPr sz="1800">
+            <a:endParaRPr sz="1800" dirty="0">
               <a:latin typeface="Calibri"/>
               <a:cs typeface="Calibri"/>
             </a:endParaRPr>
@@ -5835,7 +5843,7 @@
               </a:rPr>
               <a:t> Tours</a:t>
             </a:r>
-            <a:endParaRPr sz="2100">
+            <a:endParaRPr sz="2100" dirty="0">
               <a:latin typeface="Arial"/>
               <a:cs typeface="Arial"/>
             </a:endParaRPr>
@@ -6066,7 +6074,7 @@
               </a:rPr>
               <a:t>care.</a:t>
             </a:r>
-            <a:endParaRPr sz="1800">
+            <a:endParaRPr sz="1800" dirty="0">
               <a:latin typeface="Calibri"/>
               <a:cs typeface="Calibri"/>
             </a:endParaRPr>
@@ -6087,8 +6095,8 @@
         </p:blipFill>
         <p:spPr>
           <a:xfrm>
-            <a:off x="7191375" y="933450"/>
-            <a:ext cx="647700" cy="590550"/>
+            <a:off x="6988518" y="1113285"/>
+            <a:ext cx="891009" cy="304800"/>
           </a:xfrm>
           <a:prstGeom prst="rect">
             <a:avLst/>
@@ -6109,8 +6117,8 @@
         </p:blipFill>
         <p:spPr>
           <a:xfrm>
-            <a:off x="11163300" y="1028700"/>
-            <a:ext cx="809625" cy="542925"/>
+            <a:off x="11119484" y="1091968"/>
+            <a:ext cx="944248" cy="347434"/>
           </a:xfrm>
           <a:prstGeom prst="rect">
             <a:avLst/>
@@ -6131,8 +6139,8 @@
         </p:blipFill>
         <p:spPr>
           <a:xfrm>
-            <a:off x="2619375" y="2638425"/>
-            <a:ext cx="1095375" cy="628650"/>
+            <a:off x="2509827" y="2608749"/>
+            <a:ext cx="1155398" cy="352386"/>
           </a:xfrm>
           <a:prstGeom prst="rect">
             <a:avLst/>
@@ -6153,8 +6161,8 @@
         </p:blipFill>
         <p:spPr>
           <a:xfrm>
-            <a:off x="7277100" y="3114675"/>
-            <a:ext cx="657225" cy="657225"/>
+            <a:off x="7148443" y="3196590"/>
+            <a:ext cx="866406" cy="419100"/>
           </a:xfrm>
           <a:prstGeom prst="rect">
             <a:avLst/>
@@ -6175,8 +6183,8 @@
         </p:blipFill>
         <p:spPr>
           <a:xfrm>
-            <a:off x="11068050" y="2647950"/>
-            <a:ext cx="1114425" cy="742950"/>
+            <a:off x="10999530" y="3049234"/>
+            <a:ext cx="1001970" cy="412004"/>
           </a:xfrm>
           <a:prstGeom prst="rect">
             <a:avLst/>
@@ -6197,8 +6205,8 @@
         </p:blipFill>
         <p:spPr>
           <a:xfrm>
-            <a:off x="4029075" y="4600575"/>
-            <a:ext cx="847725" cy="523875"/>
+            <a:off x="4029075" y="4800600"/>
+            <a:ext cx="1304925" cy="323850"/>
           </a:xfrm>
           <a:prstGeom prst="rect">
             <a:avLst/>
@@ -6207,245 +6215,13 @@
       </p:pic>
       <p:sp>
         <p:nvSpPr>
-          <p:cNvPr id="21" name="object 21"/>
-          <p:cNvSpPr/>
-          <p:nvPr/>
-        </p:nvSpPr>
-        <p:spPr>
-          <a:xfrm>
-            <a:off x="338137" y="252475"/>
-            <a:ext cx="1247775" cy="809625"/>
-          </a:xfrm>
-          <a:custGeom>
-            <a:avLst/>
-            <a:gdLst/>
-            <a:ahLst/>
-            <a:cxnLst/>
-            <a:rect l="l" t="t" r="r" b="b"/>
-            <a:pathLst>
-              <a:path w="1247775" h="809625">
-                <a:moveTo>
-                  <a:pt x="0" y="404622"/>
-                </a:moveTo>
-                <a:lnTo>
-                  <a:pt x="10045" y="331850"/>
-                </a:lnTo>
-                <a:lnTo>
-                  <a:pt x="39027" y="263398"/>
-                </a:lnTo>
-                <a:lnTo>
-                  <a:pt x="60058" y="231139"/>
-                </a:lnTo>
-                <a:lnTo>
-                  <a:pt x="85166" y="200278"/>
-                </a:lnTo>
-                <a:lnTo>
-                  <a:pt x="114122" y="171196"/>
-                </a:lnTo>
-                <a:lnTo>
-                  <a:pt x="146710" y="143890"/>
-                </a:lnTo>
-                <a:lnTo>
-                  <a:pt x="182714" y="118363"/>
-                </a:lnTo>
-                <a:lnTo>
-                  <a:pt x="221894" y="95123"/>
-                </a:lnTo>
-                <a:lnTo>
-                  <a:pt x="264058" y="73914"/>
-                </a:lnTo>
-                <a:lnTo>
-                  <a:pt x="308965" y="55118"/>
-                </a:lnTo>
-                <a:lnTo>
-                  <a:pt x="356400" y="38862"/>
-                </a:lnTo>
-                <a:lnTo>
-                  <a:pt x="406145" y="25273"/>
-                </a:lnTo>
-                <a:lnTo>
-                  <a:pt x="457987" y="14350"/>
-                </a:lnTo>
-                <a:lnTo>
-                  <a:pt x="511695" y="6476"/>
-                </a:lnTo>
-                <a:lnTo>
-                  <a:pt x="567042" y="1650"/>
-                </a:lnTo>
-                <a:lnTo>
-                  <a:pt x="623824" y="0"/>
-                </a:lnTo>
-                <a:lnTo>
-                  <a:pt x="680605" y="1650"/>
-                </a:lnTo>
-                <a:lnTo>
-                  <a:pt x="735965" y="6476"/>
-                </a:lnTo>
-                <a:lnTo>
-                  <a:pt x="789673" y="14350"/>
-                </a:lnTo>
-                <a:lnTo>
-                  <a:pt x="841502" y="25273"/>
-                </a:lnTo>
-                <a:lnTo>
-                  <a:pt x="891247" y="38862"/>
-                </a:lnTo>
-                <a:lnTo>
-                  <a:pt x="938720" y="55118"/>
-                </a:lnTo>
-                <a:lnTo>
-                  <a:pt x="983551" y="73914"/>
-                </a:lnTo>
-                <a:lnTo>
-                  <a:pt x="1025715" y="95123"/>
-                </a:lnTo>
-                <a:lnTo>
-                  <a:pt x="1064958" y="118363"/>
-                </a:lnTo>
-                <a:lnTo>
-                  <a:pt x="1100899" y="143890"/>
-                </a:lnTo>
-                <a:lnTo>
-                  <a:pt x="1133538" y="171196"/>
-                </a:lnTo>
-                <a:lnTo>
-                  <a:pt x="1162494" y="200278"/>
-                </a:lnTo>
-                <a:lnTo>
-                  <a:pt x="1187640" y="231139"/>
-                </a:lnTo>
-                <a:lnTo>
-                  <a:pt x="1208595" y="263398"/>
-                </a:lnTo>
-                <a:lnTo>
-                  <a:pt x="1237551" y="331850"/>
-                </a:lnTo>
-                <a:lnTo>
-                  <a:pt x="1247711" y="404622"/>
-                </a:lnTo>
-                <a:lnTo>
-                  <a:pt x="1245044" y="441451"/>
-                </a:lnTo>
-                <a:lnTo>
-                  <a:pt x="1225359" y="512190"/>
-                </a:lnTo>
-                <a:lnTo>
-                  <a:pt x="1187640" y="577976"/>
-                </a:lnTo>
-                <a:lnTo>
-                  <a:pt x="1162494" y="608838"/>
-                </a:lnTo>
-                <a:lnTo>
-                  <a:pt x="1133538" y="637921"/>
-                </a:lnTo>
-                <a:lnTo>
-                  <a:pt x="1100899" y="665226"/>
-                </a:lnTo>
-                <a:lnTo>
-                  <a:pt x="1064958" y="690752"/>
-                </a:lnTo>
-                <a:lnTo>
-                  <a:pt x="1025715" y="713994"/>
-                </a:lnTo>
-                <a:lnTo>
-                  <a:pt x="983551" y="735202"/>
-                </a:lnTo>
-                <a:lnTo>
-                  <a:pt x="938720" y="753999"/>
-                </a:lnTo>
-                <a:lnTo>
-                  <a:pt x="891247" y="770254"/>
-                </a:lnTo>
-                <a:lnTo>
-                  <a:pt x="841502" y="783844"/>
-                </a:lnTo>
-                <a:lnTo>
-                  <a:pt x="789673" y="794765"/>
-                </a:lnTo>
-                <a:lnTo>
-                  <a:pt x="735965" y="802639"/>
-                </a:lnTo>
-                <a:lnTo>
-                  <a:pt x="680605" y="807465"/>
-                </a:lnTo>
-                <a:lnTo>
-                  <a:pt x="623824" y="809244"/>
-                </a:lnTo>
-                <a:lnTo>
-                  <a:pt x="567042" y="807465"/>
-                </a:lnTo>
-                <a:lnTo>
-                  <a:pt x="511695" y="802639"/>
-                </a:lnTo>
-                <a:lnTo>
-                  <a:pt x="457987" y="794765"/>
-                </a:lnTo>
-                <a:lnTo>
-                  <a:pt x="406145" y="783844"/>
-                </a:lnTo>
-                <a:lnTo>
-                  <a:pt x="356400" y="770254"/>
-                </a:lnTo>
-                <a:lnTo>
-                  <a:pt x="308965" y="753999"/>
-                </a:lnTo>
-                <a:lnTo>
-                  <a:pt x="264058" y="735202"/>
-                </a:lnTo>
-                <a:lnTo>
-                  <a:pt x="221894" y="713994"/>
-                </a:lnTo>
-                <a:lnTo>
-                  <a:pt x="182714" y="690626"/>
-                </a:lnTo>
-                <a:lnTo>
-                  <a:pt x="146710" y="665226"/>
-                </a:lnTo>
-                <a:lnTo>
-                  <a:pt x="114122" y="637921"/>
-                </a:lnTo>
-                <a:lnTo>
-                  <a:pt x="85166" y="608838"/>
-                </a:lnTo>
-                <a:lnTo>
-                  <a:pt x="60058" y="577976"/>
-                </a:lnTo>
-                <a:lnTo>
-                  <a:pt x="39027" y="545719"/>
-                </a:lnTo>
-                <a:lnTo>
-                  <a:pt x="10045" y="477265"/>
-                </a:lnTo>
-                <a:lnTo>
-                  <a:pt x="0" y="404622"/>
-                </a:lnTo>
-                <a:close/>
-              </a:path>
-            </a:pathLst>
-          </a:custGeom>
-          <a:ln w="27432">
-            <a:solidFill>
-              <a:srgbClr val="8062A0"/>
-            </a:solidFill>
-          </a:ln>
-        </p:spPr>
-        <p:txBody>
-          <a:bodyPr wrap="square" lIns="0" tIns="0" rIns="0" bIns="0" rtlCol="0"/>
-          <a:lstStyle/>
-          <a:p>
-            <a:endParaRPr/>
-          </a:p>
-        </p:txBody>
-      </p:sp>
-      <p:sp>
-        <p:nvSpPr>
           <p:cNvPr id="22" name="object 22"/>
           <p:cNvSpPr txBox="1"/>
           <p:nvPr/>
         </p:nvSpPr>
         <p:spPr>
           <a:xfrm>
-            <a:off x="448627" y="499173"/>
+            <a:off x="291465" y="336198"/>
             <a:ext cx="1068705" cy="266065"/>
           </a:xfrm>
           <a:prstGeom prst="rect">
@@ -6487,7 +6263,7 @@
               </a:rPr>
               <a:t>Blaster</a:t>
             </a:r>
-            <a:endParaRPr sz="1550">
+            <a:endParaRPr sz="1550" dirty="0">
               <a:latin typeface="Calibri"/>
               <a:cs typeface="Calibri"/>
             </a:endParaRPr>
@@ -6639,7 +6415,7 @@
         </p:nvSpPr>
         <p:spPr>
           <a:xfrm>
-            <a:off x="2649220" y="1511617"/>
+            <a:off x="2514600" y="973772"/>
             <a:ext cx="1143000" cy="300355"/>
           </a:xfrm>
           <a:prstGeom prst="rect">
@@ -6681,7 +6457,7 @@
               </a:rPr>
               <a:t>Chart</a:t>
             </a:r>
-            <a:endParaRPr sz="1800">
+            <a:endParaRPr sz="1800" dirty="0">
               <a:latin typeface="Times New Roman"/>
               <a:cs typeface="Times New Roman"/>
             </a:endParaRPr>
@@ -6696,7 +6472,7 @@
         </p:nvSpPr>
         <p:spPr>
           <a:xfrm>
-            <a:off x="8327008" y="1511617"/>
+            <a:off x="8323033" y="1274127"/>
             <a:ext cx="1135380" cy="862965"/>
           </a:xfrm>
           <a:prstGeom prst="rect">
@@ -6738,7 +6514,7 @@
               </a:rPr>
               <a:t>Stack</a:t>
             </a:r>
-            <a:endParaRPr sz="1800">
+            <a:endParaRPr sz="1800" dirty="0">
               <a:latin typeface="Times New Roman"/>
               <a:cs typeface="Times New Roman"/>
             </a:endParaRPr>
@@ -6752,7 +6528,7 @@
                 <a:spcPts val="200"/>
               </a:spcBef>
             </a:pPr>
-            <a:endParaRPr sz="1800">
+            <a:endParaRPr sz="1800" dirty="0">
               <a:latin typeface="Times New Roman"/>
               <a:cs typeface="Times New Roman"/>
             </a:endParaRPr>
@@ -6773,7 +6549,7 @@
               </a:rPr>
               <a:t>Frontend</a:t>
             </a:r>
-            <a:endParaRPr sz="1800">
+            <a:endParaRPr sz="1800" dirty="0">
               <a:latin typeface="Times New Roman"/>
               <a:cs typeface="Times New Roman"/>
             </a:endParaRPr>
@@ -6794,8 +6570,8 @@
         </p:blipFill>
         <p:spPr>
           <a:xfrm>
-            <a:off x="6667500" y="1590675"/>
-            <a:ext cx="4791075" cy="2619375"/>
+            <a:off x="6645948" y="1265554"/>
+            <a:ext cx="4791075" cy="2449513"/>
           </a:xfrm>
           <a:prstGeom prst="rect">
             <a:avLst/>
@@ -6867,7 +6643,7 @@
         </p:nvGrpSpPr>
         <p:grpSpPr>
           <a:xfrm>
-            <a:off x="6972300" y="3914775"/>
+            <a:off x="6885173" y="3722175"/>
             <a:ext cx="4067175" cy="1028700"/>
             <a:chOff x="6972300" y="3914775"/>
             <a:chExt cx="4067175" cy="1028700"/>
@@ -6975,7 +6751,7 @@
         </p:blipFill>
         <p:spPr>
           <a:xfrm>
-            <a:off x="7191375" y="5362575"/>
+            <a:off x="7082170" y="5314949"/>
             <a:ext cx="571500" cy="714375"/>
           </a:xfrm>
           <a:prstGeom prst="rect">
@@ -6997,7 +6773,7 @@
         </p:blipFill>
         <p:spPr>
           <a:xfrm>
-            <a:off x="8124825" y="5429250"/>
+            <a:off x="7962367" y="5362575"/>
             <a:ext cx="1962150" cy="619125"/>
           </a:xfrm>
           <a:prstGeom prst="rect">
@@ -7019,7 +6795,7 @@
         </p:blipFill>
         <p:spPr>
           <a:xfrm>
-            <a:off x="10277475" y="5457825"/>
+            <a:off x="10233214" y="5395911"/>
             <a:ext cx="904875" cy="552450"/>
           </a:xfrm>
           <a:prstGeom prst="rect">
@@ -7041,7 +6817,7 @@
         </p:blipFill>
         <p:spPr>
           <a:xfrm>
-            <a:off x="333375" y="2143125"/>
+            <a:off x="351028" y="1495425"/>
             <a:ext cx="5848350" cy="3933825"/>
           </a:xfrm>
           <a:prstGeom prst="rect">
@@ -7057,7 +6833,7 @@
         </p:nvSpPr>
         <p:spPr>
           <a:xfrm>
-            <a:off x="347662" y="252475"/>
+            <a:off x="216535" y="168519"/>
             <a:ext cx="1257300" cy="809625"/>
           </a:xfrm>
           <a:custGeom>
@@ -7289,7 +7065,7 @@
         </p:nvSpPr>
         <p:spPr>
           <a:xfrm>
-            <a:off x="464502" y="499173"/>
+            <a:off x="333375" y="415217"/>
             <a:ext cx="1068705" cy="266065"/>
           </a:xfrm>
           <a:prstGeom prst="rect">
@@ -7331,7 +7107,7 @@
               </a:rPr>
               <a:t>Blaster</a:t>
             </a:r>
-            <a:endParaRPr sz="1550">
+            <a:endParaRPr sz="1550" dirty="0">
               <a:latin typeface="Calibri"/>
               <a:cs typeface="Calibri"/>
             </a:endParaRPr>
@@ -7347,7 +7123,7 @@
         <p:spPr>
           <a:xfrm>
             <a:off x="11403330" y="6450191"/>
-            <a:ext cx="110489" cy="196215"/>
+            <a:ext cx="110489" cy="179536"/>
           </a:xfrm>
           <a:prstGeom prst="rect">
             <a:avLst/>
@@ -7365,16 +7141,16 @@
               </a:lnSpc>
             </a:pPr>
             <a:r>
-              <a:rPr sz="1200" b="1" spc="-50" dirty="0">
+              <a:rPr lang="en-IN" sz="1200" b="1" spc="-50" dirty="0">
                 <a:solidFill>
                   <a:srgbClr val="FFFFFF"/>
                 </a:solidFill>
                 <a:latin typeface="Arial"/>
                 <a:cs typeface="Arial"/>
               </a:rPr>
-              <a:t>1</a:t>
-            </a:r>
-            <a:endParaRPr sz="1200">
+              <a:t>3</a:t>
+            </a:r>
+            <a:endParaRPr sz="1200" dirty="0">
               <a:latin typeface="Arial"/>
               <a:cs typeface="Arial"/>
             </a:endParaRPr>
@@ -7557,7 +7333,7 @@
         </p:nvSpPr>
         <p:spPr>
           <a:xfrm>
-            <a:off x="256222" y="1108074"/>
+            <a:off x="381000" y="891000"/>
             <a:ext cx="1605280" cy="392430"/>
           </a:xfrm>
           <a:prstGeom prst="rect">
@@ -7590,7 +7366,7 @@
               </a:rPr>
               <a:t>Feasibility:</a:t>
             </a:r>
-            <a:endParaRPr sz="2400">
+            <a:endParaRPr sz="2400" dirty="0">
               <a:latin typeface="Arial"/>
               <a:cs typeface="Arial"/>
             </a:endParaRPr>
@@ -7605,7 +7381,7 @@
         </p:nvSpPr>
         <p:spPr>
           <a:xfrm>
-            <a:off x="255587" y="1464881"/>
+            <a:off x="304800" y="1302480"/>
             <a:ext cx="5982335" cy="4726305"/>
           </a:xfrm>
           <a:prstGeom prst="rect">
@@ -7748,7 +7524,14 @@
                 <a:latin typeface="Calibri"/>
                 <a:cs typeface="Calibri"/>
               </a:rPr>
-              <a:t>interactive </a:t>
+              <a:t>interactive</a:t>
+            </a:r>
+            <a:r>
+              <a:rPr lang="en-IN" sz="1800" spc="-10" dirty="0">
+                <a:latin typeface="Calibri"/>
+                <a:cs typeface="Calibri"/>
+              </a:rPr>
+              <a:t> </a:t>
             </a:r>
             <a:r>
               <a:rPr sz="1800" dirty="0">
@@ -8410,7 +8193,7 @@
               </a:rPr>
               <a:t>before.</a:t>
             </a:r>
-            <a:endParaRPr sz="1800">
+            <a:endParaRPr sz="1800" dirty="0">
               <a:latin typeface="Calibri"/>
               <a:cs typeface="Calibri"/>
             </a:endParaRPr>
@@ -8916,7 +8699,7 @@
               </a:rPr>
               <a:t>habitat type.</a:t>
             </a:r>
-            <a:endParaRPr sz="1800">
+            <a:endParaRPr sz="1800" dirty="0">
               <a:latin typeface="Calibri"/>
               <a:cs typeface="Calibri"/>
             </a:endParaRPr>
@@ -9250,7 +9033,7 @@
               </a:rPr>
               <a:t>wellness.</a:t>
             </a:r>
-            <a:endParaRPr sz="1800">
+            <a:endParaRPr sz="1800" dirty="0">
               <a:latin typeface="Calibri"/>
               <a:cs typeface="Calibri"/>
             </a:endParaRPr>
@@ -9455,7 +9238,7 @@
               </a:rPr>
               <a:t>feedback</a:t>
             </a:r>
-            <a:endParaRPr sz="1800">
+            <a:endParaRPr sz="1800" dirty="0">
               <a:latin typeface="Calibri"/>
               <a:cs typeface="Calibri"/>
             </a:endParaRPr>
@@ -9515,7 +9298,7 @@
               </a:rPr>
               <a:t>advancements.</a:t>
             </a:r>
-            <a:endParaRPr sz="1800">
+            <a:endParaRPr sz="1800" dirty="0">
               <a:latin typeface="Calibri"/>
               <a:cs typeface="Calibri"/>
             </a:endParaRPr>
@@ -9544,305 +9327,238 @@
           </a:prstGeom>
         </p:spPr>
       </p:pic>
-      <p:grpSp>
-        <p:nvGrpSpPr>
-          <p:cNvPr id="9" name="object 9"/>
-          <p:cNvGrpSpPr/>
+      <p:sp>
+        <p:nvSpPr>
+          <p:cNvPr id="11" name="object 11"/>
+          <p:cNvSpPr/>
           <p:nvPr/>
-        </p:nvGrpSpPr>
-        <p:grpSpPr>
+        </p:nvSpPr>
+        <p:spPr>
           <a:xfrm>
-            <a:off x="183070" y="238759"/>
-            <a:ext cx="6167755" cy="6036310"/>
-            <a:chOff x="183070" y="238759"/>
-            <a:chExt cx="6167755" cy="6036310"/>
+            <a:off x="107882" y="133350"/>
+            <a:ext cx="1233940" cy="645681"/>
           </a:xfrm>
-        </p:grpSpPr>
-        <p:sp>
-          <p:nvSpPr>
-            <p:cNvPr id="10" name="object 10"/>
-            <p:cNvSpPr/>
-            <p:nvPr/>
-          </p:nvSpPr>
-          <p:spPr>
-            <a:xfrm>
-              <a:off x="195262" y="1128712"/>
-              <a:ext cx="6143625" cy="5133975"/>
-            </a:xfrm>
-            <a:custGeom>
-              <a:avLst/>
-              <a:gdLst/>
-              <a:ahLst/>
-              <a:cxnLst/>
-              <a:rect l="l" t="t" r="r" b="b"/>
-              <a:pathLst>
-                <a:path w="6143625" h="5133975">
-                  <a:moveTo>
-                    <a:pt x="0" y="5133721"/>
-                  </a:moveTo>
-                  <a:lnTo>
-                    <a:pt x="6143244" y="5133721"/>
-                  </a:lnTo>
-                  <a:lnTo>
-                    <a:pt x="6143244" y="0"/>
-                  </a:lnTo>
-                  <a:lnTo>
-                    <a:pt x="0" y="0"/>
-                  </a:lnTo>
-                  <a:lnTo>
-                    <a:pt x="0" y="5133721"/>
-                  </a:lnTo>
-                  <a:close/>
-                </a:path>
-              </a:pathLst>
-            </a:custGeom>
-            <a:ln w="24383">
-              <a:solidFill>
-                <a:srgbClr val="000000"/>
-              </a:solidFill>
-            </a:ln>
-          </p:spPr>
-          <p:txBody>
-            <a:bodyPr wrap="square" lIns="0" tIns="0" rIns="0" bIns="0" rtlCol="0"/>
-            <a:lstStyle/>
-            <a:p>
-              <a:endParaRPr/>
-            </a:p>
-          </p:txBody>
-        </p:sp>
-        <p:sp>
-          <p:nvSpPr>
-            <p:cNvPr id="11" name="object 11"/>
-            <p:cNvSpPr/>
-            <p:nvPr/>
-          </p:nvSpPr>
-          <p:spPr>
-            <a:xfrm>
-              <a:off x="338137" y="252475"/>
-              <a:ext cx="1247775" cy="809625"/>
-            </a:xfrm>
-            <a:custGeom>
-              <a:avLst/>
-              <a:gdLst/>
-              <a:ahLst/>
-              <a:cxnLst/>
-              <a:rect l="l" t="t" r="r" b="b"/>
-              <a:pathLst>
-                <a:path w="1247775" h="809625">
-                  <a:moveTo>
-                    <a:pt x="0" y="404622"/>
-                  </a:moveTo>
-                  <a:lnTo>
-                    <a:pt x="10045" y="331850"/>
-                  </a:lnTo>
-                  <a:lnTo>
-                    <a:pt x="39027" y="263398"/>
-                  </a:lnTo>
-                  <a:lnTo>
-                    <a:pt x="60058" y="231139"/>
-                  </a:lnTo>
-                  <a:lnTo>
-                    <a:pt x="85166" y="200278"/>
-                  </a:lnTo>
-                  <a:lnTo>
-                    <a:pt x="114122" y="171196"/>
-                  </a:lnTo>
-                  <a:lnTo>
-                    <a:pt x="146710" y="143890"/>
-                  </a:lnTo>
-                  <a:lnTo>
-                    <a:pt x="182714" y="118363"/>
-                  </a:lnTo>
-                  <a:lnTo>
-                    <a:pt x="221894" y="95123"/>
-                  </a:lnTo>
-                  <a:lnTo>
-                    <a:pt x="264058" y="73914"/>
-                  </a:lnTo>
-                  <a:lnTo>
-                    <a:pt x="308965" y="55118"/>
-                  </a:lnTo>
-                  <a:lnTo>
-                    <a:pt x="356400" y="38862"/>
-                  </a:lnTo>
-                  <a:lnTo>
-                    <a:pt x="406145" y="25273"/>
-                  </a:lnTo>
-                  <a:lnTo>
-                    <a:pt x="457987" y="14350"/>
-                  </a:lnTo>
-                  <a:lnTo>
-                    <a:pt x="511695" y="6476"/>
-                  </a:lnTo>
-                  <a:lnTo>
-                    <a:pt x="567042" y="1650"/>
-                  </a:lnTo>
-                  <a:lnTo>
-                    <a:pt x="623824" y="0"/>
-                  </a:lnTo>
-                  <a:lnTo>
-                    <a:pt x="680605" y="1650"/>
-                  </a:lnTo>
-                  <a:lnTo>
-                    <a:pt x="735965" y="6476"/>
-                  </a:lnTo>
-                  <a:lnTo>
-                    <a:pt x="789673" y="14350"/>
-                  </a:lnTo>
-                  <a:lnTo>
-                    <a:pt x="841502" y="25273"/>
-                  </a:lnTo>
-                  <a:lnTo>
-                    <a:pt x="891247" y="38862"/>
-                  </a:lnTo>
-                  <a:lnTo>
-                    <a:pt x="938720" y="55118"/>
-                  </a:lnTo>
-                  <a:lnTo>
-                    <a:pt x="983551" y="73914"/>
-                  </a:lnTo>
-                  <a:lnTo>
-                    <a:pt x="1025715" y="95123"/>
-                  </a:lnTo>
-                  <a:lnTo>
-                    <a:pt x="1064958" y="118363"/>
-                  </a:lnTo>
-                  <a:lnTo>
-                    <a:pt x="1100899" y="143890"/>
-                  </a:lnTo>
-                  <a:lnTo>
-                    <a:pt x="1133538" y="171196"/>
-                  </a:lnTo>
-                  <a:lnTo>
-                    <a:pt x="1162494" y="200278"/>
-                  </a:lnTo>
-                  <a:lnTo>
-                    <a:pt x="1187640" y="231139"/>
-                  </a:lnTo>
-                  <a:lnTo>
-                    <a:pt x="1208595" y="263398"/>
-                  </a:lnTo>
-                  <a:lnTo>
-                    <a:pt x="1237551" y="331850"/>
-                  </a:lnTo>
-                  <a:lnTo>
-                    <a:pt x="1247711" y="404622"/>
-                  </a:lnTo>
-                  <a:lnTo>
-                    <a:pt x="1245044" y="441451"/>
-                  </a:lnTo>
-                  <a:lnTo>
-                    <a:pt x="1225359" y="512190"/>
-                  </a:lnTo>
-                  <a:lnTo>
-                    <a:pt x="1187640" y="577976"/>
-                  </a:lnTo>
-                  <a:lnTo>
-                    <a:pt x="1162494" y="608838"/>
-                  </a:lnTo>
-                  <a:lnTo>
-                    <a:pt x="1133538" y="637921"/>
-                  </a:lnTo>
-                  <a:lnTo>
-                    <a:pt x="1100899" y="665226"/>
-                  </a:lnTo>
-                  <a:lnTo>
-                    <a:pt x="1064958" y="690752"/>
-                  </a:lnTo>
-                  <a:lnTo>
-                    <a:pt x="1025715" y="713994"/>
-                  </a:lnTo>
-                  <a:lnTo>
-                    <a:pt x="983551" y="735202"/>
-                  </a:lnTo>
-                  <a:lnTo>
-                    <a:pt x="938720" y="753999"/>
-                  </a:lnTo>
-                  <a:lnTo>
-                    <a:pt x="891247" y="770254"/>
-                  </a:lnTo>
-                  <a:lnTo>
-                    <a:pt x="841502" y="783844"/>
-                  </a:lnTo>
-                  <a:lnTo>
-                    <a:pt x="789673" y="794765"/>
-                  </a:lnTo>
-                  <a:lnTo>
-                    <a:pt x="735965" y="802639"/>
-                  </a:lnTo>
-                  <a:lnTo>
-                    <a:pt x="680605" y="807465"/>
-                  </a:lnTo>
-                  <a:lnTo>
-                    <a:pt x="623824" y="809244"/>
-                  </a:lnTo>
-                  <a:lnTo>
-                    <a:pt x="567042" y="807465"/>
-                  </a:lnTo>
-                  <a:lnTo>
-                    <a:pt x="511695" y="802639"/>
-                  </a:lnTo>
-                  <a:lnTo>
-                    <a:pt x="457987" y="794765"/>
-                  </a:lnTo>
-                  <a:lnTo>
-                    <a:pt x="406145" y="783844"/>
-                  </a:lnTo>
-                  <a:lnTo>
-                    <a:pt x="356400" y="770254"/>
-                  </a:lnTo>
-                  <a:lnTo>
-                    <a:pt x="308965" y="753999"/>
-                  </a:lnTo>
-                  <a:lnTo>
-                    <a:pt x="264058" y="735202"/>
-                  </a:lnTo>
-                  <a:lnTo>
-                    <a:pt x="221894" y="713994"/>
-                  </a:lnTo>
-                  <a:lnTo>
-                    <a:pt x="182714" y="690626"/>
-                  </a:lnTo>
-                  <a:lnTo>
-                    <a:pt x="146710" y="665226"/>
-                  </a:lnTo>
-                  <a:lnTo>
-                    <a:pt x="114122" y="637921"/>
-                  </a:lnTo>
-                  <a:lnTo>
-                    <a:pt x="85166" y="608838"/>
-                  </a:lnTo>
-                  <a:lnTo>
-                    <a:pt x="60058" y="577976"/>
-                  </a:lnTo>
-                  <a:lnTo>
-                    <a:pt x="39027" y="545719"/>
-                  </a:lnTo>
-                  <a:lnTo>
-                    <a:pt x="10045" y="477265"/>
-                  </a:lnTo>
-                  <a:lnTo>
-                    <a:pt x="0" y="404622"/>
-                  </a:lnTo>
-                  <a:close/>
-                </a:path>
-              </a:pathLst>
-            </a:custGeom>
-            <a:ln w="27432">
-              <a:solidFill>
-                <a:srgbClr val="8062A0"/>
-              </a:solidFill>
-            </a:ln>
-          </p:spPr>
-          <p:txBody>
-            <a:bodyPr wrap="square" lIns="0" tIns="0" rIns="0" bIns="0" rtlCol="0"/>
-            <a:lstStyle/>
-            <a:p>
-              <a:endParaRPr/>
-            </a:p>
-          </p:txBody>
-        </p:sp>
-      </p:grpSp>
+          <a:custGeom>
+            <a:avLst/>
+            <a:gdLst/>
+            <a:ahLst/>
+            <a:cxnLst/>
+            <a:rect l="l" t="t" r="r" b="b"/>
+            <a:pathLst>
+              <a:path w="1247775" h="809625">
+                <a:moveTo>
+                  <a:pt x="0" y="404622"/>
+                </a:moveTo>
+                <a:lnTo>
+                  <a:pt x="10045" y="331850"/>
+                </a:lnTo>
+                <a:lnTo>
+                  <a:pt x="39027" y="263398"/>
+                </a:lnTo>
+                <a:lnTo>
+                  <a:pt x="60058" y="231139"/>
+                </a:lnTo>
+                <a:lnTo>
+                  <a:pt x="85166" y="200278"/>
+                </a:lnTo>
+                <a:lnTo>
+                  <a:pt x="114122" y="171196"/>
+                </a:lnTo>
+                <a:lnTo>
+                  <a:pt x="146710" y="143890"/>
+                </a:lnTo>
+                <a:lnTo>
+                  <a:pt x="182714" y="118363"/>
+                </a:lnTo>
+                <a:lnTo>
+                  <a:pt x="221894" y="95123"/>
+                </a:lnTo>
+                <a:lnTo>
+                  <a:pt x="264058" y="73914"/>
+                </a:lnTo>
+                <a:lnTo>
+                  <a:pt x="308965" y="55118"/>
+                </a:lnTo>
+                <a:lnTo>
+                  <a:pt x="356400" y="38862"/>
+                </a:lnTo>
+                <a:lnTo>
+                  <a:pt x="406145" y="25273"/>
+                </a:lnTo>
+                <a:lnTo>
+                  <a:pt x="457987" y="14350"/>
+                </a:lnTo>
+                <a:lnTo>
+                  <a:pt x="511695" y="6476"/>
+                </a:lnTo>
+                <a:lnTo>
+                  <a:pt x="567042" y="1650"/>
+                </a:lnTo>
+                <a:lnTo>
+                  <a:pt x="623824" y="0"/>
+                </a:lnTo>
+                <a:lnTo>
+                  <a:pt x="680605" y="1650"/>
+                </a:lnTo>
+                <a:lnTo>
+                  <a:pt x="735965" y="6476"/>
+                </a:lnTo>
+                <a:lnTo>
+                  <a:pt x="789673" y="14350"/>
+                </a:lnTo>
+                <a:lnTo>
+                  <a:pt x="841502" y="25273"/>
+                </a:lnTo>
+                <a:lnTo>
+                  <a:pt x="891247" y="38862"/>
+                </a:lnTo>
+                <a:lnTo>
+                  <a:pt x="938720" y="55118"/>
+                </a:lnTo>
+                <a:lnTo>
+                  <a:pt x="983551" y="73914"/>
+                </a:lnTo>
+                <a:lnTo>
+                  <a:pt x="1025715" y="95123"/>
+                </a:lnTo>
+                <a:lnTo>
+                  <a:pt x="1064958" y="118363"/>
+                </a:lnTo>
+                <a:lnTo>
+                  <a:pt x="1100899" y="143890"/>
+                </a:lnTo>
+                <a:lnTo>
+                  <a:pt x="1133538" y="171196"/>
+                </a:lnTo>
+                <a:lnTo>
+                  <a:pt x="1162494" y="200278"/>
+                </a:lnTo>
+                <a:lnTo>
+                  <a:pt x="1187640" y="231139"/>
+                </a:lnTo>
+                <a:lnTo>
+                  <a:pt x="1208595" y="263398"/>
+                </a:lnTo>
+                <a:lnTo>
+                  <a:pt x="1237551" y="331850"/>
+                </a:lnTo>
+                <a:lnTo>
+                  <a:pt x="1247711" y="404622"/>
+                </a:lnTo>
+                <a:lnTo>
+                  <a:pt x="1245044" y="441451"/>
+                </a:lnTo>
+                <a:lnTo>
+                  <a:pt x="1225359" y="512190"/>
+                </a:lnTo>
+                <a:lnTo>
+                  <a:pt x="1187640" y="577976"/>
+                </a:lnTo>
+                <a:lnTo>
+                  <a:pt x="1162494" y="608838"/>
+                </a:lnTo>
+                <a:lnTo>
+                  <a:pt x="1133538" y="637921"/>
+                </a:lnTo>
+                <a:lnTo>
+                  <a:pt x="1100899" y="665226"/>
+                </a:lnTo>
+                <a:lnTo>
+                  <a:pt x="1064958" y="690752"/>
+                </a:lnTo>
+                <a:lnTo>
+                  <a:pt x="1025715" y="713994"/>
+                </a:lnTo>
+                <a:lnTo>
+                  <a:pt x="983551" y="735202"/>
+                </a:lnTo>
+                <a:lnTo>
+                  <a:pt x="938720" y="753999"/>
+                </a:lnTo>
+                <a:lnTo>
+                  <a:pt x="891247" y="770254"/>
+                </a:lnTo>
+                <a:lnTo>
+                  <a:pt x="841502" y="783844"/>
+                </a:lnTo>
+                <a:lnTo>
+                  <a:pt x="789673" y="794765"/>
+                </a:lnTo>
+                <a:lnTo>
+                  <a:pt x="735965" y="802639"/>
+                </a:lnTo>
+                <a:lnTo>
+                  <a:pt x="680605" y="807465"/>
+                </a:lnTo>
+                <a:lnTo>
+                  <a:pt x="623824" y="809244"/>
+                </a:lnTo>
+                <a:lnTo>
+                  <a:pt x="567042" y="807465"/>
+                </a:lnTo>
+                <a:lnTo>
+                  <a:pt x="511695" y="802639"/>
+                </a:lnTo>
+                <a:lnTo>
+                  <a:pt x="457987" y="794765"/>
+                </a:lnTo>
+                <a:lnTo>
+                  <a:pt x="406145" y="783844"/>
+                </a:lnTo>
+                <a:lnTo>
+                  <a:pt x="356400" y="770254"/>
+                </a:lnTo>
+                <a:lnTo>
+                  <a:pt x="308965" y="753999"/>
+                </a:lnTo>
+                <a:lnTo>
+                  <a:pt x="264058" y="735202"/>
+                </a:lnTo>
+                <a:lnTo>
+                  <a:pt x="221894" y="713994"/>
+                </a:lnTo>
+                <a:lnTo>
+                  <a:pt x="182714" y="690626"/>
+                </a:lnTo>
+                <a:lnTo>
+                  <a:pt x="146710" y="665226"/>
+                </a:lnTo>
+                <a:lnTo>
+                  <a:pt x="114122" y="637921"/>
+                </a:lnTo>
+                <a:lnTo>
+                  <a:pt x="85166" y="608838"/>
+                </a:lnTo>
+                <a:lnTo>
+                  <a:pt x="60058" y="577976"/>
+                </a:lnTo>
+                <a:lnTo>
+                  <a:pt x="39027" y="545719"/>
+                </a:lnTo>
+                <a:lnTo>
+                  <a:pt x="10045" y="477265"/>
+                </a:lnTo>
+                <a:lnTo>
+                  <a:pt x="0" y="404622"/>
+                </a:lnTo>
+                <a:close/>
+              </a:path>
+            </a:pathLst>
+          </a:custGeom>
+          <a:ln w="27432">
+            <a:solidFill>
+              <a:srgbClr val="8062A0"/>
+            </a:solidFill>
+          </a:ln>
+        </p:spPr>
+        <p:txBody>
+          <a:bodyPr wrap="square" lIns="0" tIns="0" rIns="0" bIns="0" rtlCol="0"/>
+          <a:lstStyle/>
+          <a:p>
+            <a:endParaRPr/>
+          </a:p>
+        </p:txBody>
+      </p:sp>
       <p:sp>
         <p:nvSpPr>
           <p:cNvPr id="12" name="object 12"/>
@@ -9958,7 +9674,7 @@
               </a:rPr>
               <a:t>Risks:</a:t>
             </a:r>
-            <a:endParaRPr sz="2400">
+            <a:endParaRPr sz="2400" dirty="0">
               <a:latin typeface="Arial"/>
               <a:cs typeface="Arial"/>
             </a:endParaRPr>
@@ -10082,7 +9798,7 @@
               </a:rPr>
               <a:t>Herbs.</a:t>
             </a:r>
-            <a:endParaRPr sz="1800">
+            <a:endParaRPr sz="1800" dirty="0">
               <a:latin typeface="Calibri"/>
               <a:cs typeface="Calibri"/>
             </a:endParaRPr>
@@ -10238,7 +9954,7 @@
               </a:rPr>
               <a:t>Habitats.</a:t>
             </a:r>
-            <a:endParaRPr sz="1800">
+            <a:endParaRPr sz="1800" dirty="0">
               <a:latin typeface="Calibri"/>
               <a:cs typeface="Calibri"/>
             </a:endParaRPr>
@@ -10320,7 +10036,7 @@
               </a:rPr>
               <a:t>Crashes.</a:t>
             </a:r>
-            <a:endParaRPr sz="1800">
+            <a:endParaRPr sz="1800" dirty="0">
               <a:latin typeface="Calibri"/>
               <a:cs typeface="Calibri"/>
             </a:endParaRPr>
@@ -10379,7 +10095,7 @@
         <p:spPr>
           <a:xfrm>
             <a:off x="6491351" y="3167062"/>
-            <a:ext cx="5524500" cy="3057525"/>
+            <a:ext cx="5524500" cy="2905667"/>
           </a:xfrm>
           <a:prstGeom prst="rect">
             <a:avLst/>
@@ -10488,7 +10204,7 @@
               </a:rPr>
               <a:t>Challenges:</a:t>
             </a:r>
-            <a:endParaRPr sz="2400">
+            <a:endParaRPr sz="2400" dirty="0">
               <a:latin typeface="Arial"/>
               <a:cs typeface="Arial"/>
             </a:endParaRPr>
@@ -10654,7 +10370,7 @@
               </a:rPr>
               <a:t>Algorithms.</a:t>
             </a:r>
-            <a:endParaRPr sz="1800">
+            <a:endParaRPr sz="1800" dirty="0">
               <a:latin typeface="Calibri"/>
               <a:cs typeface="Calibri"/>
             </a:endParaRPr>
@@ -10789,7 +10505,7 @@
               </a:rPr>
               <a:t>Plants</a:t>
             </a:r>
-            <a:endParaRPr sz="1800">
+            <a:endParaRPr sz="1800" dirty="0">
               <a:latin typeface="Calibri"/>
               <a:cs typeface="Calibri"/>
             </a:endParaRPr>
@@ -10829,146 +10545,24 @@
               <a:t> </a:t>
             </a:r>
             <a:r>
-              <a:rPr sz="1800" dirty="0">
-                <a:latin typeface="Calibri"/>
-                <a:cs typeface="Calibri"/>
-              </a:rPr>
-              <a:t>from</a:t>
-            </a:r>
-            <a:r>
-              <a:rPr sz="1800" spc="20" dirty="0">
-                <a:latin typeface="Calibri"/>
-                <a:cs typeface="Calibri"/>
-              </a:rPr>
-              <a:t> </a:t>
-            </a:r>
-            <a:r>
-              <a:rPr sz="1800" dirty="0">
-                <a:latin typeface="Calibri"/>
-                <a:cs typeface="Calibri"/>
-              </a:rPr>
-              <a:t>AYUSH</a:t>
-            </a:r>
-            <a:r>
-              <a:rPr sz="1800" spc="-15" dirty="0">
-                <a:latin typeface="Calibri"/>
-                <a:cs typeface="Calibri"/>
-              </a:rPr>
-              <a:t> </a:t>
-            </a:r>
-            <a:r>
-              <a:rPr sz="1800" spc="-10" dirty="0">
-                <a:latin typeface="Calibri"/>
-                <a:cs typeface="Calibri"/>
-              </a:rPr>
-              <a:t>(Ayurveda,</a:t>
-            </a:r>
-            <a:r>
-              <a:rPr sz="1800" spc="-25" dirty="0">
-                <a:latin typeface="Calibri"/>
-                <a:cs typeface="Calibri"/>
-              </a:rPr>
-              <a:t> </a:t>
-            </a:r>
-            <a:r>
-              <a:rPr sz="1800" spc="-45" dirty="0">
-                <a:latin typeface="Calibri"/>
-                <a:cs typeface="Calibri"/>
-              </a:rPr>
-              <a:t>Yoga</a:t>
-            </a:r>
-            <a:r>
-              <a:rPr sz="1800" spc="-75" dirty="0">
-                <a:latin typeface="Calibri"/>
-                <a:cs typeface="Calibri"/>
-              </a:rPr>
-              <a:t> </a:t>
-            </a:r>
-            <a:r>
-              <a:rPr sz="1800" dirty="0">
-                <a:latin typeface="Calibri"/>
-                <a:cs typeface="Calibri"/>
-              </a:rPr>
-              <a:t>&amp;</a:t>
-            </a:r>
-            <a:r>
-              <a:rPr sz="1800" spc="-10" dirty="0">
-                <a:latin typeface="Calibri"/>
-                <a:cs typeface="Calibri"/>
-              </a:rPr>
-              <a:t> Naturopathy, Unani,</a:t>
-            </a:r>
-            <a:r>
-              <a:rPr sz="1800" spc="-95" dirty="0">
-                <a:latin typeface="Calibri"/>
-                <a:cs typeface="Calibri"/>
-              </a:rPr>
-              <a:t> </a:t>
-            </a:r>
-            <a:r>
-              <a:rPr sz="1800" dirty="0">
-                <a:latin typeface="Calibri"/>
-                <a:cs typeface="Calibri"/>
-              </a:rPr>
-              <a:t>Siddha,</a:t>
-            </a:r>
-            <a:r>
-              <a:rPr sz="1800" spc="25" dirty="0">
-                <a:latin typeface="Calibri"/>
-                <a:cs typeface="Calibri"/>
-              </a:rPr>
-              <a:t> </a:t>
-            </a:r>
-            <a:r>
-              <a:rPr sz="1800" dirty="0">
-                <a:latin typeface="Calibri"/>
-                <a:cs typeface="Calibri"/>
-              </a:rPr>
-              <a:t>and</a:t>
-            </a:r>
-            <a:r>
-              <a:rPr sz="1800" spc="-10" dirty="0">
-                <a:latin typeface="Calibri"/>
-                <a:cs typeface="Calibri"/>
-              </a:rPr>
-              <a:t> </a:t>
-            </a:r>
-            <a:r>
-              <a:rPr sz="1800" spc="-30" dirty="0">
-                <a:latin typeface="Calibri"/>
-                <a:cs typeface="Calibri"/>
-              </a:rPr>
-              <a:t>Homeopathy)</a:t>
-            </a:r>
-            <a:r>
-              <a:rPr sz="1800" spc="-175" dirty="0">
-                <a:latin typeface="Calibri"/>
-                <a:cs typeface="Calibri"/>
-              </a:rPr>
-              <a:t> </a:t>
-            </a:r>
-            <a:r>
-              <a:rPr sz="1800" dirty="0">
-                <a:latin typeface="Calibri"/>
-                <a:cs typeface="Calibri"/>
-              </a:rPr>
-              <a:t>official</a:t>
-            </a:r>
-            <a:r>
-              <a:rPr sz="1800" spc="-45" dirty="0">
-                <a:latin typeface="Calibri"/>
-                <a:cs typeface="Calibri"/>
-              </a:rPr>
-              <a:t> </a:t>
-            </a:r>
-            <a:r>
-              <a:rPr sz="1800" spc="-10" dirty="0">
-                <a:latin typeface="Calibri"/>
-                <a:cs typeface="Calibri"/>
-              </a:rPr>
-              <a:t>website.</a:t>
-            </a:r>
-            <a:endParaRPr sz="1800">
+              <a:rPr lang="en-IN" sz="1800" dirty="0">
+                <a:latin typeface="Calibri"/>
+                <a:cs typeface="Calibri"/>
+              </a:rPr>
+              <a:t>by</a:t>
+            </a:r>
+            <a:r>
+              <a:rPr lang="en-IN" spc="20" dirty="0">
+                <a:latin typeface="Calibri"/>
+                <a:cs typeface="Calibri"/>
+              </a:rPr>
+              <a:t> </a:t>
+            </a:r>
+            <a:r>
+              <a:rPr lang="en-US" dirty="0"/>
+              <a:t>collaborating with Botanical Gardens and Experts.</a:t>
+            </a:r>
+            <a:endParaRPr sz="1800" dirty="0">
               <a:latin typeface="Calibri"/>
               <a:cs typeface="Calibri"/>
             </a:endParaRPr>
@@ -11267,7 +10861,7 @@
               </a:rPr>
               <a:t>reliability.</a:t>
             </a:r>
-            <a:endParaRPr sz="1800">
+            <a:endParaRPr sz="1800" dirty="0">
               <a:latin typeface="Calibri"/>
               <a:cs typeface="Calibri"/>
             </a:endParaRPr>
@@ -11282,7 +10876,7 @@
         </p:nvSpPr>
         <p:spPr>
           <a:xfrm>
-            <a:off x="448627" y="499173"/>
+            <a:off x="190500" y="288860"/>
             <a:ext cx="1068705" cy="266065"/>
           </a:xfrm>
           <a:prstGeom prst="rect">
@@ -11324,10 +10918,68 @@
               </a:rPr>
               <a:t>Blaster</a:t>
             </a:r>
-            <a:endParaRPr sz="1550">
+            <a:endParaRPr sz="1550" dirty="0">
               <a:latin typeface="Calibri"/>
               <a:cs typeface="Calibri"/>
             </a:endParaRPr>
+          </a:p>
+        </p:txBody>
+      </p:sp>
+      <p:sp>
+        <p:nvSpPr>
+          <p:cNvPr id="16" name="object 10">
+            <a:extLst>
+              <a:ext uri="{FF2B5EF4-FFF2-40B4-BE49-F238E27FC236}">
+                <a16:creationId xmlns:a16="http://schemas.microsoft.com/office/drawing/2014/main" id="{D9BD2411-738F-5852-CF9D-11F9F31D6DFD}"/>
+              </a:ext>
+            </a:extLst>
+          </p:cNvPr>
+          <p:cNvSpPr/>
+          <p:nvPr/>
+        </p:nvSpPr>
+        <p:spPr>
+          <a:xfrm>
+            <a:off x="258215" y="934541"/>
+            <a:ext cx="6075504" cy="5290046"/>
+          </a:xfrm>
+          <a:custGeom>
+            <a:avLst/>
+            <a:gdLst/>
+            <a:ahLst/>
+            <a:cxnLst/>
+            <a:rect l="l" t="t" r="r" b="b"/>
+            <a:pathLst>
+              <a:path w="6143625" h="5133975">
+                <a:moveTo>
+                  <a:pt x="0" y="5133721"/>
+                </a:moveTo>
+                <a:lnTo>
+                  <a:pt x="6143244" y="5133721"/>
+                </a:lnTo>
+                <a:lnTo>
+                  <a:pt x="6143244" y="0"/>
+                </a:lnTo>
+                <a:lnTo>
+                  <a:pt x="0" y="0"/>
+                </a:lnTo>
+                <a:lnTo>
+                  <a:pt x="0" y="5133721"/>
+                </a:lnTo>
+                <a:close/>
+              </a:path>
+            </a:pathLst>
+          </a:custGeom>
+          <a:ln w="24383">
+            <a:solidFill>
+              <a:srgbClr val="000000"/>
+            </a:solidFill>
+          </a:ln>
+        </p:spPr>
+        <p:txBody>
+          <a:bodyPr wrap="square" lIns="0" tIns="0" rIns="0" bIns="0" rtlCol="0"/>
+          <a:lstStyle/>
+          <a:p>
+            <a:endParaRPr/>
           </a:p>
         </p:txBody>
       </p:sp>
@@ -11503,7 +11155,7 @@
         </p:nvSpPr>
         <p:spPr>
           <a:xfrm>
-            <a:off x="1049019" y="1248981"/>
+            <a:off x="1203706" y="1143498"/>
             <a:ext cx="9527540" cy="346075"/>
           </a:xfrm>
           <a:prstGeom prst="rect">
@@ -11776,7 +11428,7 @@
               </a:rPr>
               <a:t>sector</a:t>
             </a:r>
-            <a:endParaRPr sz="2100">
+            <a:endParaRPr sz="2100" dirty="0">
               <a:latin typeface="Arial"/>
               <a:cs typeface="Arial"/>
             </a:endParaRPr>
@@ -11875,7 +11527,7 @@
               </a:rPr>
               <a:t>Value:</a:t>
             </a:r>
-            <a:endParaRPr sz="1800">
+            <a:endParaRPr sz="1800" dirty="0">
               <a:latin typeface="Calibri"/>
               <a:cs typeface="Calibri"/>
             </a:endParaRPr>
@@ -11916,7 +11568,7 @@
               </a:rPr>
               <a:t>Knowledge</a:t>
             </a:r>
-            <a:endParaRPr sz="1800">
+            <a:endParaRPr sz="1800" dirty="0">
               <a:latin typeface="Calibri"/>
               <a:cs typeface="Calibri"/>
             </a:endParaRPr>
@@ -11957,35 +11609,13 @@
               </a:rPr>
               <a:t>Practices</a:t>
             </a:r>
-            <a:endParaRPr sz="1800">
+            <a:endParaRPr sz="1800" dirty="0">
               <a:latin typeface="Calibri"/>
               <a:cs typeface="Calibri"/>
             </a:endParaRPr>
           </a:p>
         </p:txBody>
       </p:sp>
-      <p:pic>
-        <p:nvPicPr>
-          <p:cNvPr id="9" name="object 9"/>
-          <p:cNvPicPr/>
-          <p:nvPr/>
-        </p:nvPicPr>
-        <p:blipFill>
-          <a:blip r:embed="rId4" cstate="print"/>
-          <a:stretch>
-            <a:fillRect/>
-          </a:stretch>
-        </p:blipFill>
-        <p:spPr>
-          <a:xfrm>
-            <a:off x="152400" y="1914525"/>
-            <a:ext cx="2343150" cy="1200150"/>
-          </a:xfrm>
-          <a:prstGeom prst="rect">
-            <a:avLst/>
-          </a:prstGeom>
-        </p:spPr>
-      </p:pic>
       <p:sp>
         <p:nvSpPr>
           <p:cNvPr id="10" name="object 10"/>
@@ -12208,28 +11838,6 @@
           </a:p>
         </p:txBody>
       </p:sp>
-      <p:pic>
-        <p:nvPicPr>
-          <p:cNvPr id="11" name="object 11"/>
-          <p:cNvPicPr/>
-          <p:nvPr/>
-        </p:nvPicPr>
-        <p:blipFill>
-          <a:blip r:embed="rId5" cstate="print"/>
-          <a:stretch>
-            <a:fillRect/>
-          </a:stretch>
-        </p:blipFill>
-        <p:spPr>
-          <a:xfrm>
-            <a:off x="2600325" y="1943100"/>
-            <a:ext cx="3248025" cy="1200150"/>
-          </a:xfrm>
-          <a:prstGeom prst="rect">
-            <a:avLst/>
-          </a:prstGeom>
-        </p:spPr>
-      </p:pic>
       <p:sp>
         <p:nvSpPr>
           <p:cNvPr id="12" name="object 12"/>
@@ -12438,28 +12046,6 @@
           </a:p>
         </p:txBody>
       </p:sp>
-      <p:pic>
-        <p:nvPicPr>
-          <p:cNvPr id="13" name="object 13"/>
-          <p:cNvPicPr/>
-          <p:nvPr/>
-        </p:nvPicPr>
-        <p:blipFill>
-          <a:blip r:embed="rId6" cstate="print"/>
-          <a:stretch>
-            <a:fillRect/>
-          </a:stretch>
-        </p:blipFill>
-        <p:spPr>
-          <a:xfrm>
-            <a:off x="5943600" y="1943100"/>
-            <a:ext cx="3152775" cy="1171575"/>
-          </a:xfrm>
-          <a:prstGeom prst="rect">
-            <a:avLst/>
-          </a:prstGeom>
-        </p:spPr>
-      </p:pic>
       <p:sp>
         <p:nvSpPr>
           <p:cNvPr id="14" name="object 14"/>
@@ -12469,7 +12055,7 @@
         <p:spPr>
           <a:xfrm>
             <a:off x="9234551" y="2005076"/>
-            <a:ext cx="2857500" cy="1057275"/>
+            <a:ext cx="2857500" cy="838691"/>
           </a:xfrm>
           <a:prstGeom prst="rect">
             <a:avLst/>
@@ -12530,7 +12116,7 @@
               </a:rPr>
               <a:t>Impact:</a:t>
             </a:r>
-            <a:endParaRPr sz="1800">
+            <a:endParaRPr sz="1800" dirty="0">
               <a:latin typeface="Calibri"/>
               <a:cs typeface="Calibri"/>
             </a:endParaRPr>
@@ -12555,7 +12141,14 @@
                 <a:latin typeface="Calibri"/>
                 <a:cs typeface="Calibri"/>
               </a:rPr>
-              <a:t>Cost=effective</a:t>
+              <a:t>Cost</a:t>
+            </a:r>
+            <a:r>
+              <a:rPr lang="en-IN" spc="-25" dirty="0">
+                <a:latin typeface="Calibri"/>
+                <a:cs typeface="Calibri"/>
+              </a:rPr>
+              <a:t> Effective</a:t>
             </a:r>
             <a:r>
               <a:rPr sz="1800" spc="35" dirty="0">
@@ -12571,7 +12164,7 @@
               </a:rPr>
               <a:t>Gardening</a:t>
             </a:r>
-            <a:endParaRPr sz="1800">
+            <a:endParaRPr sz="1800" dirty="0">
               <a:latin typeface="Calibri"/>
               <a:cs typeface="Calibri"/>
             </a:endParaRPr>
@@ -12640,35 +12233,13 @@
               </a:rPr>
               <a:t>product</a:t>
             </a:r>
-            <a:endParaRPr sz="1800">
+            <a:endParaRPr sz="1800" dirty="0">
               <a:latin typeface="Calibri"/>
               <a:cs typeface="Calibri"/>
             </a:endParaRPr>
           </a:p>
         </p:txBody>
       </p:sp>
-      <p:pic>
-        <p:nvPicPr>
-          <p:cNvPr id="15" name="object 15"/>
-          <p:cNvPicPr/>
-          <p:nvPr/>
-        </p:nvPicPr>
-        <p:blipFill>
-          <a:blip r:embed="rId7" cstate="print"/>
-          <a:stretch>
-            <a:fillRect/>
-          </a:stretch>
-        </p:blipFill>
-        <p:spPr>
-          <a:xfrm>
-            <a:off x="9210675" y="1943100"/>
-            <a:ext cx="2933700" cy="1171575"/>
-          </a:xfrm>
-          <a:prstGeom prst="rect">
-            <a:avLst/>
-          </a:prstGeom>
-        </p:spPr>
-      </p:pic>
       <p:sp>
         <p:nvSpPr>
           <p:cNvPr id="16" name="object 16"/>
@@ -12743,7 +12314,7 @@
               </a:rPr>
               <a:t>:</a:t>
             </a:r>
-            <a:endParaRPr sz="1800">
+            <a:endParaRPr sz="1800" dirty="0">
               <a:latin typeface="Calibri"/>
               <a:cs typeface="Calibri"/>
             </a:endParaRPr>
@@ -12798,35 +12369,13 @@
               </a:rPr>
               <a:t>Traditions</a:t>
             </a:r>
-            <a:endParaRPr sz="1800">
+            <a:endParaRPr sz="1800" dirty="0">
               <a:latin typeface="Calibri"/>
               <a:cs typeface="Calibri"/>
             </a:endParaRPr>
           </a:p>
         </p:txBody>
       </p:sp>
-      <p:pic>
-        <p:nvPicPr>
-          <p:cNvPr id="17" name="object 17"/>
-          <p:cNvPicPr/>
-          <p:nvPr/>
-        </p:nvPicPr>
-        <p:blipFill>
-          <a:blip r:embed="rId8" cstate="print"/>
-          <a:stretch>
-            <a:fillRect/>
-          </a:stretch>
-        </p:blipFill>
-        <p:spPr>
-          <a:xfrm>
-            <a:off x="4429125" y="3190875"/>
-            <a:ext cx="2800350" cy="762000"/>
-          </a:xfrm>
-          <a:prstGeom prst="rect">
-            <a:avLst/>
-          </a:prstGeom>
-        </p:spPr>
-      </p:pic>
       <p:sp>
         <p:nvSpPr>
           <p:cNvPr id="18" name="object 18"/>
@@ -13172,28 +12721,6 @@
           </a:p>
         </p:txBody>
       </p:sp>
-      <p:pic>
-        <p:nvPicPr>
-          <p:cNvPr id="20" name="object 20"/>
-          <p:cNvPicPr/>
-          <p:nvPr/>
-        </p:nvPicPr>
-        <p:blipFill>
-          <a:blip r:embed="rId9" cstate="print"/>
-          <a:stretch>
-            <a:fillRect/>
-          </a:stretch>
-        </p:blipFill>
-        <p:spPr>
-          <a:xfrm>
-            <a:off x="171450" y="4429125"/>
-            <a:ext cx="3295650" cy="1838325"/>
-          </a:xfrm>
-          <a:prstGeom prst="rect">
-            <a:avLst/>
-          </a:prstGeom>
-        </p:spPr>
-      </p:pic>
       <p:sp>
         <p:nvSpPr>
           <p:cNvPr id="21" name="object 21"/>
@@ -13271,7 +12798,7 @@
               </a:rPr>
               <a:t>:</a:t>
             </a:r>
-            <a:endParaRPr sz="1800">
+            <a:endParaRPr sz="1800" dirty="0">
               <a:latin typeface="Calibri"/>
               <a:cs typeface="Calibri"/>
             </a:endParaRPr>
@@ -13312,7 +12839,7 @@
               </a:rPr>
               <a:t>Reach</a:t>
             </a:r>
-            <a:endParaRPr sz="1800">
+            <a:endParaRPr sz="1800" dirty="0">
               <a:latin typeface="Calibri"/>
               <a:cs typeface="Calibri"/>
             </a:endParaRPr>
@@ -13381,7 +12908,7 @@
               </a:rPr>
               <a:t>Economies</a:t>
             </a:r>
-            <a:endParaRPr sz="1800">
+            <a:endParaRPr sz="1800" dirty="0">
               <a:latin typeface="Calibri"/>
               <a:cs typeface="Calibri"/>
             </a:endParaRPr>
@@ -13450,7 +12977,7 @@
               </a:rPr>
               <a:t>Employment</a:t>
             </a:r>
-            <a:endParaRPr sz="1800">
+            <a:endParaRPr sz="1800" dirty="0">
               <a:latin typeface="Calibri"/>
               <a:cs typeface="Calibri"/>
             </a:endParaRPr>
@@ -13466,7 +12993,7 @@
         <p:spPr>
           <a:xfrm>
             <a:off x="7472426" y="4491037"/>
-            <a:ext cx="3048000" cy="1533525"/>
+            <a:ext cx="3048000" cy="1181734"/>
           </a:xfrm>
           <a:prstGeom prst="rect">
             <a:avLst/>
@@ -13525,9 +13052,45 @@
                 <a:latin typeface="Calibri"/>
                 <a:cs typeface="Calibri"/>
               </a:rPr>
-              <a:t>Bebefits:</a:t>
-            </a:r>
-            <a:endParaRPr sz="1800">
+              <a:t>Be</a:t>
+            </a:r>
+            <a:r>
+              <a:rPr lang="en-IN" sz="1800" b="1" u="heavy" spc="-10" dirty="0">
+                <a:uFill>
+                  <a:solidFill>
+                    <a:srgbClr val="000000"/>
+                  </a:solidFill>
+                </a:uFill>
+                <a:latin typeface="Calibri"/>
+                <a:cs typeface="Calibri"/>
+              </a:rPr>
+              <a:t>n</a:t>
+            </a:r>
+            <a:r>
+              <a:rPr sz="1800" b="1" u="heavy" spc="-10" dirty="0" err="1">
+                <a:uFill>
+                  <a:solidFill>
+                    <a:srgbClr val="000000"/>
+                  </a:solidFill>
+                </a:uFill>
+                <a:latin typeface="Calibri"/>
+                <a:cs typeface="Calibri"/>
+              </a:rPr>
+              <a:t>efits</a:t>
+            </a:r>
+            <a:r>
+              <a:rPr sz="1800" b="1" u="heavy" spc="-10" dirty="0">
+                <a:uFill>
+                  <a:solidFill>
+                    <a:srgbClr val="000000"/>
+                  </a:solidFill>
+                </a:uFill>
+                <a:latin typeface="Calibri"/>
+                <a:cs typeface="Calibri"/>
+              </a:rPr>
+              <a:t>:</a:t>
+            </a:r>
+            <a:endParaRPr sz="1800" dirty="0">
               <a:latin typeface="Calibri"/>
               <a:cs typeface="Calibri"/>
             </a:endParaRPr>
@@ -13568,7 +13131,7 @@
               </a:rPr>
               <a:t>Conservation</a:t>
             </a:r>
-            <a:endParaRPr sz="1800">
+            <a:endParaRPr sz="1800" dirty="0">
               <a:latin typeface="Calibri"/>
               <a:cs typeface="Calibri"/>
             </a:endParaRPr>
@@ -13609,7 +13172,7 @@
               </a:rPr>
               <a:t>Awareness</a:t>
             </a:r>
-            <a:endParaRPr sz="1800">
+            <a:endParaRPr sz="1800" dirty="0">
               <a:latin typeface="Calibri"/>
               <a:cs typeface="Calibri"/>
             </a:endParaRPr>
@@ -13678,35 +13241,13 @@
               </a:rPr>
               <a:t>Footprint</a:t>
             </a:r>
-            <a:endParaRPr sz="1800">
+            <a:endParaRPr sz="1800" dirty="0">
               <a:latin typeface="Calibri"/>
               <a:cs typeface="Calibri"/>
             </a:endParaRPr>
           </a:p>
         </p:txBody>
       </p:sp>
-      <p:pic>
-        <p:nvPicPr>
-          <p:cNvPr id="23" name="object 23"/>
-          <p:cNvPicPr/>
-          <p:nvPr/>
-        </p:nvPicPr>
-        <p:blipFill>
-          <a:blip r:embed="rId10" cstate="print"/>
-          <a:stretch>
-            <a:fillRect/>
-          </a:stretch>
-        </p:blipFill>
-        <p:spPr>
-          <a:xfrm>
-            <a:off x="7439025" y="4457700"/>
-            <a:ext cx="3152775" cy="1647825"/>
-          </a:xfrm>
-          <a:prstGeom prst="rect">
-            <a:avLst/>
-          </a:prstGeom>
-        </p:spPr>
-      </p:pic>
       <p:sp>
         <p:nvSpPr>
           <p:cNvPr id="24" name="object 24"/>
@@ -13715,7 +13256,7 @@
         </p:nvSpPr>
         <p:spPr>
           <a:xfrm>
-            <a:off x="338137" y="252475"/>
+            <a:off x="199292" y="119126"/>
             <a:ext cx="1247775" cy="809625"/>
           </a:xfrm>
           <a:custGeom>
@@ -13947,7 +13488,7 @@
         </p:nvSpPr>
         <p:spPr>
           <a:xfrm>
-            <a:off x="448627" y="499173"/>
+            <a:off x="309782" y="365824"/>
             <a:ext cx="1068705" cy="266065"/>
           </a:xfrm>
           <a:prstGeom prst="rect">
@@ -13989,7 +13530,7 @@
               </a:rPr>
               <a:t>Blaster</a:t>
             </a:r>
-            <a:endParaRPr sz="1550">
+            <a:endParaRPr sz="1550" dirty="0">
               <a:latin typeface="Calibri"/>
               <a:cs typeface="Calibri"/>
             </a:endParaRPr>
@@ -14005,7 +13546,7 @@
         <p:spPr>
           <a:xfrm>
             <a:off x="11403330" y="6450191"/>
-            <a:ext cx="110489" cy="196215"/>
+            <a:ext cx="110489" cy="179536"/>
           </a:xfrm>
           <a:prstGeom prst="rect">
             <a:avLst/>
@@ -14023,16 +13564,16 @@
               </a:lnSpc>
             </a:pPr>
             <a:r>
-              <a:rPr sz="1200" b="1" spc="-50" dirty="0">
+              <a:rPr lang="en-IN" sz="1200" b="1" spc="-50" dirty="0">
                 <a:solidFill>
                   <a:srgbClr val="FFFFFF"/>
                 </a:solidFill>
                 <a:latin typeface="Arial"/>
                 <a:cs typeface="Arial"/>
               </a:rPr>
-              <a:t>1</a:t>
-            </a:r>
-            <a:endParaRPr sz="1200">
+              <a:t>5</a:t>
+            </a:r>
+            <a:endParaRPr sz="1200" dirty="0">
               <a:latin typeface="Arial"/>
               <a:cs typeface="Arial"/>
             </a:endParaRPr>
@@ -15296,7 +14837,7 @@
         <p:spPr>
           <a:xfrm>
             <a:off x="11408029" y="6462276"/>
-            <a:ext cx="105410" cy="185420"/>
+            <a:ext cx="105410" cy="340478"/>
           </a:xfrm>
           <a:prstGeom prst="rect">
             <a:avLst/>
@@ -15326,7 +14867,17 @@
               </a:rPr>
               <a:t>6</a:t>
             </a:r>
-            <a:endParaRPr sz="1100">
+            <a:r>
+              <a:rPr lang="en-IN" sz="1100" b="1" spc="-50" dirty="0">
+                <a:solidFill>
+                  <a:srgbClr val="FFFFFF"/>
+                </a:solidFill>
+                <a:latin typeface="Arial"/>
+                <a:cs typeface="Arial"/>
+              </a:rPr>
+              <a:t>6</a:t>
+            </a:r>
+            <a:endParaRPr sz="1100" dirty="0">
               <a:latin typeface="Arial"/>
               <a:cs typeface="Arial"/>
             </a:endParaRPr>
